--- a/Examples/Api_description/UFR_ASSO_PWP_Users.pptx
+++ b/Examples/Api_description/UFR_ASSO_PWP_Users.pptx
@@ -123,14 +123,6 @@
     </p:ext>
   </p:extLst>
 </p:presentation>
-</file>
-
-<file path=ppt/revisionInfo.xml><?xml version="1.0" encoding="utf-8"?>
-<p1510:revInfo xmlns:a="http://schemas.openxmlformats.org/drawingml/2006/main" xmlns:r="http://schemas.openxmlformats.org/officeDocument/2006/relationships" xmlns:p1510="http://schemas.microsoft.com/office/powerpoint/2015/10/main">
-  <p1510:revLst>
-    <p1510:client id="{1773A956-5112-4424-8E0A-D94303F329CB}" v="27" dt="2022-11-26T22:13:02.708"/>
-  </p1510:revLst>
-</p1510:revInfo>
 </file>
 
 <file path=ppt/changesInfos/changesInfo1.xml><?xml version="1.0" encoding="utf-8"?>
@@ -847,6 +839,30 @@
       </pc:sldChg>
     </pc:docChg>
   </pc:docChgLst>
+  <pc:docChgLst>
+    <pc:chgData name="Maximilien PONCET" userId="9a1d2e0e62ea9e2d" providerId="LiveId" clId="{967C376A-2C5C-44B2-B71E-1730FF7565F5}"/>
+    <pc:docChg chg="custSel modSld">
+      <pc:chgData name="Maximilien PONCET" userId="9a1d2e0e62ea9e2d" providerId="LiveId" clId="{967C376A-2C5C-44B2-B71E-1730FF7565F5}" dt="2022-11-30T22:39:45.882" v="25" actId="20577"/>
+      <pc:docMkLst>
+        <pc:docMk/>
+      </pc:docMkLst>
+      <pc:sldChg chg="modSp mod">
+        <pc:chgData name="Maximilien PONCET" userId="9a1d2e0e62ea9e2d" providerId="LiveId" clId="{967C376A-2C5C-44B2-B71E-1730FF7565F5}" dt="2022-11-30T22:39:45.882" v="25" actId="20577"/>
+        <pc:sldMkLst>
+          <pc:docMk/>
+          <pc:sldMk cId="2819383889" sldId="257"/>
+        </pc:sldMkLst>
+        <pc:spChg chg="mod">
+          <ac:chgData name="Maximilien PONCET" userId="9a1d2e0e62ea9e2d" providerId="LiveId" clId="{967C376A-2C5C-44B2-B71E-1730FF7565F5}" dt="2022-11-30T22:39:45.882" v="25" actId="20577"/>
+          <ac:spMkLst>
+            <pc:docMk/>
+            <pc:sldMk cId="2819383889" sldId="257"/>
+            <ac:spMk id="9" creationId="{9EE031D0-E82A-74D8-438E-82B128C8D737}"/>
+          </ac:spMkLst>
+        </pc:spChg>
+      </pc:sldChg>
+    </pc:docChg>
+  </pc:docChgLst>
 </pc:chgInfo>
 </file>
 
@@ -997,7 +1013,7 @@
           <a:p>
             <a:fld id="{C252BA23-7B5F-4A4B-A1F0-012F661C0F7D}" type="datetimeFigureOut">
               <a:rPr lang="fr-FR" smtClean="0"/>
-              <a:t>26/11/2022</a:t>
+              <a:t>30/11/2022</a:t>
             </a:fld>
             <a:endParaRPr lang="fr-FR"/>
           </a:p>
@@ -1195,7 +1211,7 @@
           <a:p>
             <a:fld id="{C252BA23-7B5F-4A4B-A1F0-012F661C0F7D}" type="datetimeFigureOut">
               <a:rPr lang="fr-FR" smtClean="0"/>
-              <a:t>26/11/2022</a:t>
+              <a:t>30/11/2022</a:t>
             </a:fld>
             <a:endParaRPr lang="fr-FR"/>
           </a:p>
@@ -1403,7 +1419,7 @@
           <a:p>
             <a:fld id="{C252BA23-7B5F-4A4B-A1F0-012F661C0F7D}" type="datetimeFigureOut">
               <a:rPr lang="fr-FR" smtClean="0"/>
-              <a:t>26/11/2022</a:t>
+              <a:t>30/11/2022</a:t>
             </a:fld>
             <a:endParaRPr lang="fr-FR"/>
           </a:p>
@@ -1601,7 +1617,7 @@
           <a:p>
             <a:fld id="{C252BA23-7B5F-4A4B-A1F0-012F661C0F7D}" type="datetimeFigureOut">
               <a:rPr lang="fr-FR" smtClean="0"/>
-              <a:t>26/11/2022</a:t>
+              <a:t>30/11/2022</a:t>
             </a:fld>
             <a:endParaRPr lang="fr-FR"/>
           </a:p>
@@ -1876,7 +1892,7 @@
           <a:p>
             <a:fld id="{C252BA23-7B5F-4A4B-A1F0-012F661C0F7D}" type="datetimeFigureOut">
               <a:rPr lang="fr-FR" smtClean="0"/>
-              <a:t>26/11/2022</a:t>
+              <a:t>30/11/2022</a:t>
             </a:fld>
             <a:endParaRPr lang="fr-FR"/>
           </a:p>
@@ -2141,7 +2157,7 @@
           <a:p>
             <a:fld id="{C252BA23-7B5F-4A4B-A1F0-012F661C0F7D}" type="datetimeFigureOut">
               <a:rPr lang="fr-FR" smtClean="0"/>
-              <a:t>26/11/2022</a:t>
+              <a:t>30/11/2022</a:t>
             </a:fld>
             <a:endParaRPr lang="fr-FR"/>
           </a:p>
@@ -2553,7 +2569,7 @@
           <a:p>
             <a:fld id="{C252BA23-7B5F-4A4B-A1F0-012F661C0F7D}" type="datetimeFigureOut">
               <a:rPr lang="fr-FR" smtClean="0"/>
-              <a:t>26/11/2022</a:t>
+              <a:t>30/11/2022</a:t>
             </a:fld>
             <a:endParaRPr lang="fr-FR"/>
           </a:p>
@@ -2694,7 +2710,7 @@
           <a:p>
             <a:fld id="{C252BA23-7B5F-4A4B-A1F0-012F661C0F7D}" type="datetimeFigureOut">
               <a:rPr lang="fr-FR" smtClean="0"/>
-              <a:t>26/11/2022</a:t>
+              <a:t>30/11/2022</a:t>
             </a:fld>
             <a:endParaRPr lang="fr-FR"/>
           </a:p>
@@ -2807,7 +2823,7 @@
           <a:p>
             <a:fld id="{C252BA23-7B5F-4A4B-A1F0-012F661C0F7D}" type="datetimeFigureOut">
               <a:rPr lang="fr-FR" smtClean="0"/>
-              <a:t>26/11/2022</a:t>
+              <a:t>30/11/2022</a:t>
             </a:fld>
             <a:endParaRPr lang="fr-FR"/>
           </a:p>
@@ -3118,7 +3134,7 @@
           <a:p>
             <a:fld id="{C252BA23-7B5F-4A4B-A1F0-012F661C0F7D}" type="datetimeFigureOut">
               <a:rPr lang="fr-FR" smtClean="0"/>
-              <a:t>26/11/2022</a:t>
+              <a:t>30/11/2022</a:t>
             </a:fld>
             <a:endParaRPr lang="fr-FR"/>
           </a:p>
@@ -3406,7 +3422,7 @@
           <a:p>
             <a:fld id="{C252BA23-7B5F-4A4B-A1F0-012F661C0F7D}" type="datetimeFigureOut">
               <a:rPr lang="fr-FR" smtClean="0"/>
-              <a:t>26/11/2022</a:t>
+              <a:t>30/11/2022</a:t>
             </a:fld>
             <a:endParaRPr lang="fr-FR"/>
           </a:p>
@@ -3647,7 +3663,7 @@
           <a:p>
             <a:fld id="{C252BA23-7B5F-4A4B-A1F0-012F661C0F7D}" type="datetimeFigureOut">
               <a:rPr lang="fr-FR" smtClean="0"/>
-              <a:t>26/11/2022</a:t>
+              <a:t>30/11/2022</a:t>
             </a:fld>
             <a:endParaRPr lang="fr-FR"/>
           </a:p>
@@ -7905,31 +7921,19 @@
                 <a:latin typeface="Courier New" panose="02070309020205020404" pitchFamily="49" charset="0"/>
                 <a:cs typeface="Courier New" panose="02070309020205020404" pitchFamily="49" charset="0"/>
               </a:rPr>
-              <a:t>  	,"notifications"	:"x"</a:t>
-            </a:r>
-          </a:p>
-          <a:p>
-            <a:r>
-              <a:rPr lang="fr-FR" sz="1400" dirty="0">
-                <a:latin typeface="Courier New" panose="02070309020205020404" pitchFamily="49" charset="0"/>
-                <a:cs typeface="Courier New" panose="02070309020205020404" pitchFamily="49" charset="0"/>
-              </a:rPr>
-              <a:t>  	,"</a:t>
-            </a:r>
-            <a:r>
-              <a:rPr lang="fr-FR" sz="1400" dirty="0" err="1">
-                <a:latin typeface="Courier New" panose="02070309020205020404" pitchFamily="49" charset="0"/>
-                <a:cs typeface="Courier New" panose="02070309020205020404" pitchFamily="49" charset="0"/>
-              </a:rPr>
-              <a:t>password</a:t>
-            </a:r>
-            <a:r>
-              <a:rPr lang="fr-FR" sz="1400" dirty="0">
-                <a:latin typeface="Courier New" panose="02070309020205020404" pitchFamily="49" charset="0"/>
-                <a:cs typeface="Courier New" panose="02070309020205020404" pitchFamily="49" charset="0"/>
-              </a:rPr>
-              <a:t>"	:"x"</a:t>
-            </a:r>
+              <a:t>  	,"notifications"	</a:t>
+            </a:r>
+            <a:r>
+              <a:rPr lang="fr-FR" sz="1400">
+                <a:latin typeface="Courier New" panose="02070309020205020404" pitchFamily="49" charset="0"/>
+                <a:cs typeface="Courier New" panose="02070309020205020404" pitchFamily="49" charset="0"/>
+              </a:rPr>
+              <a:t>:"x" </a:t>
+            </a:r>
+            <a:endParaRPr lang="fr-FR" sz="1400" dirty="0">
+              <a:latin typeface="Courier New" panose="02070309020205020404" pitchFamily="49" charset="0"/>
+              <a:cs typeface="Courier New" panose="02070309020205020404" pitchFamily="49" charset="0"/>
+            </a:endParaRPr>
           </a:p>
           <a:p>
             <a:r>
@@ -10108,15 +10112,6 @@
 </file>
 
 <file path=customXml/item1.xml><?xml version="1.0" encoding="utf-8"?>
-<?mso-contentType ?>
-<FormTemplates xmlns="http://schemas.microsoft.com/sharepoint/v3/contenttype/forms">
-  <Display>DocumentLibraryForm</Display>
-  <Edit>DocumentLibraryForm</Edit>
-  <New>DocumentLibraryForm</New>
-</FormTemplates>
-</file>
-
-<file path=customXml/item2.xml><?xml version="1.0" encoding="utf-8"?>
 <ct:contentTypeSchema xmlns:ct="http://schemas.microsoft.com/office/2006/metadata/contentType" xmlns:ma="http://schemas.microsoft.com/office/2006/metadata/properties/metaAttributes" ct:_="" ma:_="" ma:contentTypeName="Document" ma:contentTypeID="0x010100C8BC4644371C524DA2269EE23169445E" ma:contentTypeVersion="4" ma:contentTypeDescription="Crée un document." ma:contentTypeScope="" ma:versionID="b28ee4d1ac21fe253d661ca96e7452b7">
   <xsd:schema xmlns:xsd="http://www.w3.org/2001/XMLSchema" xmlns:xs="http://www.w3.org/2001/XMLSchema" xmlns:p="http://schemas.microsoft.com/office/2006/metadata/properties" xmlns:ns3="922bd3dd-f097-4fab-b79f-37589dcac6e5" targetNamespace="http://schemas.microsoft.com/office/2006/metadata/properties" ma:root="true" ma:fieldsID="961c382ad0d0638d47a2a31fe53e8467" ns3:_="">
     <xsd:import namespace="922bd3dd-f097-4fab-b79f-37589dcac6e5"/>
@@ -10262,6 +10257,15 @@
 </ct:contentTypeSchema>
 </file>
 
+<file path=customXml/item2.xml><?xml version="1.0" encoding="utf-8"?>
+<?mso-contentType ?>
+<FormTemplates xmlns="http://schemas.microsoft.com/sharepoint/v3/contenttype/forms">
+  <Display>DocumentLibraryForm</Display>
+  <Edit>DocumentLibraryForm</Edit>
+  <New>DocumentLibraryForm</New>
+</FormTemplates>
+</file>
+
 <file path=customXml/item3.xml><?xml version="1.0" encoding="utf-8"?>
 <p:properties xmlns:p="http://schemas.microsoft.com/office/2006/metadata/properties" xmlns:xsi="http://www.w3.org/2001/XMLSchema-instance" xmlns:pc="http://schemas.microsoft.com/office/infopath/2007/PartnerControls">
   <documentManagement/>
@@ -10269,14 +10273,6 @@
 </file>
 
 <file path=customXml/itemProps1.xml><?xml version="1.0" encoding="utf-8"?>
-<ds:datastoreItem xmlns:ds="http://schemas.openxmlformats.org/officeDocument/2006/customXml" ds:itemID="{138D6FF2-10D7-4959-8F21-4B014F91C0C8}">
-  <ds:schemaRefs>
-    <ds:schemaRef ds:uri="http://schemas.microsoft.com/sharepoint/v3/contenttype/forms"/>
-  </ds:schemaRefs>
-</ds:datastoreItem>
-</file>
-
-<file path=customXml/itemProps2.xml><?xml version="1.0" encoding="utf-8"?>
 <ds:datastoreItem xmlns:ds="http://schemas.openxmlformats.org/officeDocument/2006/customXml" ds:itemID="{6F93222F-2D9D-4AEE-ACAD-5FB3A3647DCC}">
   <ds:schemaRefs>
     <ds:schemaRef ds:uri="http://schemas.microsoft.com/office/2006/metadata/contentType"/>
@@ -10290,6 +10286,14 @@
     <ds:schemaRef ds:uri="http://purl.org/dc/elements/1.1/"/>
     <ds:schemaRef ds:uri="http://purl.org/dc/terms/"/>
     <ds:schemaRef ds:uri="http://schemas.microsoft.com/internal/obd"/>
+  </ds:schemaRefs>
+</ds:datastoreItem>
+</file>
+
+<file path=customXml/itemProps2.xml><?xml version="1.0" encoding="utf-8"?>
+<ds:datastoreItem xmlns:ds="http://schemas.openxmlformats.org/officeDocument/2006/customXml" ds:itemID="{138D6FF2-10D7-4959-8F21-4B014F91C0C8}">
+  <ds:schemaRefs>
+    <ds:schemaRef ds:uri="http://schemas.microsoft.com/sharepoint/v3/contenttype/forms"/>
   </ds:schemaRefs>
 </ds:datastoreItem>
 </file>

--- a/Examples/Api_description/UFR_ASSO_PWP_Users.pptx
+++ b/Examples/Api_description/UFR_ASSO_PWP_Users.pptx
@@ -19,6 +19,7 @@
     <p:sldId id="269" r:id="rId16"/>
     <p:sldId id="270" r:id="rId17"/>
     <p:sldId id="271" r:id="rId18"/>
+    <p:sldId id="272" r:id="rId19"/>
   </p:sldIdLst>
   <p:sldSz cx="12192000" cy="6858000"/>
   <p:notesSz cx="6858000" cy="9144000"/>
@@ -123,6 +124,14 @@
     </p:ext>
   </p:extLst>
 </p:presentation>
+</file>
+
+<file path=ppt/revisionInfo.xml><?xml version="1.0" encoding="utf-8"?>
+<p1510:revInfo xmlns:a="http://schemas.openxmlformats.org/drawingml/2006/main" xmlns:r="http://schemas.openxmlformats.org/officeDocument/2006/relationships" xmlns:p1510="http://schemas.microsoft.com/office/powerpoint/2015/10/main">
+  <p1510:revLst>
+    <p1510:client id="{1773A956-5112-4424-8E0A-D94303F329CB}" v="27" dt="2022-11-26T22:13:02.708"/>
+  </p1510:revLst>
+</p1510:revInfo>
 </file>
 
 <file path=ppt/changesInfos/changesInfo1.xml><?xml version="1.0" encoding="utf-8"?>
@@ -839,30 +848,6 @@
       </pc:sldChg>
     </pc:docChg>
   </pc:docChgLst>
-  <pc:docChgLst>
-    <pc:chgData name="Maximilien PONCET" userId="9a1d2e0e62ea9e2d" providerId="LiveId" clId="{967C376A-2C5C-44B2-B71E-1730FF7565F5}"/>
-    <pc:docChg chg="custSel modSld">
-      <pc:chgData name="Maximilien PONCET" userId="9a1d2e0e62ea9e2d" providerId="LiveId" clId="{967C376A-2C5C-44B2-B71E-1730FF7565F5}" dt="2022-11-30T22:39:45.882" v="25" actId="20577"/>
-      <pc:docMkLst>
-        <pc:docMk/>
-      </pc:docMkLst>
-      <pc:sldChg chg="modSp mod">
-        <pc:chgData name="Maximilien PONCET" userId="9a1d2e0e62ea9e2d" providerId="LiveId" clId="{967C376A-2C5C-44B2-B71E-1730FF7565F5}" dt="2022-11-30T22:39:45.882" v="25" actId="20577"/>
-        <pc:sldMkLst>
-          <pc:docMk/>
-          <pc:sldMk cId="2819383889" sldId="257"/>
-        </pc:sldMkLst>
-        <pc:spChg chg="mod">
-          <ac:chgData name="Maximilien PONCET" userId="9a1d2e0e62ea9e2d" providerId="LiveId" clId="{967C376A-2C5C-44B2-B71E-1730FF7565F5}" dt="2022-11-30T22:39:45.882" v="25" actId="20577"/>
-          <ac:spMkLst>
-            <pc:docMk/>
-            <pc:sldMk cId="2819383889" sldId="257"/>
-            <ac:spMk id="9" creationId="{9EE031D0-E82A-74D8-438E-82B128C8D737}"/>
-          </ac:spMkLst>
-        </pc:spChg>
-      </pc:sldChg>
-    </pc:docChg>
-  </pc:docChgLst>
 </pc:chgInfo>
 </file>
 
@@ -1013,7 +998,7 @@
           <a:p>
             <a:fld id="{C252BA23-7B5F-4A4B-A1F0-012F661C0F7D}" type="datetimeFigureOut">
               <a:rPr lang="fr-FR" smtClean="0"/>
-              <a:t>30/11/2022</a:t>
+              <a:t>11/12/2022</a:t>
             </a:fld>
             <a:endParaRPr lang="fr-FR"/>
           </a:p>
@@ -1211,7 +1196,7 @@
           <a:p>
             <a:fld id="{C252BA23-7B5F-4A4B-A1F0-012F661C0F7D}" type="datetimeFigureOut">
               <a:rPr lang="fr-FR" smtClean="0"/>
-              <a:t>30/11/2022</a:t>
+              <a:t>11/12/2022</a:t>
             </a:fld>
             <a:endParaRPr lang="fr-FR"/>
           </a:p>
@@ -1419,7 +1404,7 @@
           <a:p>
             <a:fld id="{C252BA23-7B5F-4A4B-A1F0-012F661C0F7D}" type="datetimeFigureOut">
               <a:rPr lang="fr-FR" smtClean="0"/>
-              <a:t>30/11/2022</a:t>
+              <a:t>11/12/2022</a:t>
             </a:fld>
             <a:endParaRPr lang="fr-FR"/>
           </a:p>
@@ -1617,7 +1602,7 @@
           <a:p>
             <a:fld id="{C252BA23-7B5F-4A4B-A1F0-012F661C0F7D}" type="datetimeFigureOut">
               <a:rPr lang="fr-FR" smtClean="0"/>
-              <a:t>30/11/2022</a:t>
+              <a:t>11/12/2022</a:t>
             </a:fld>
             <a:endParaRPr lang="fr-FR"/>
           </a:p>
@@ -1892,7 +1877,7 @@
           <a:p>
             <a:fld id="{C252BA23-7B5F-4A4B-A1F0-012F661C0F7D}" type="datetimeFigureOut">
               <a:rPr lang="fr-FR" smtClean="0"/>
-              <a:t>30/11/2022</a:t>
+              <a:t>11/12/2022</a:t>
             </a:fld>
             <a:endParaRPr lang="fr-FR"/>
           </a:p>
@@ -2157,7 +2142,7 @@
           <a:p>
             <a:fld id="{C252BA23-7B5F-4A4B-A1F0-012F661C0F7D}" type="datetimeFigureOut">
               <a:rPr lang="fr-FR" smtClean="0"/>
-              <a:t>30/11/2022</a:t>
+              <a:t>11/12/2022</a:t>
             </a:fld>
             <a:endParaRPr lang="fr-FR"/>
           </a:p>
@@ -2569,7 +2554,7 @@
           <a:p>
             <a:fld id="{C252BA23-7B5F-4A4B-A1F0-012F661C0F7D}" type="datetimeFigureOut">
               <a:rPr lang="fr-FR" smtClean="0"/>
-              <a:t>30/11/2022</a:t>
+              <a:t>11/12/2022</a:t>
             </a:fld>
             <a:endParaRPr lang="fr-FR"/>
           </a:p>
@@ -2710,7 +2695,7 @@
           <a:p>
             <a:fld id="{C252BA23-7B5F-4A4B-A1F0-012F661C0F7D}" type="datetimeFigureOut">
               <a:rPr lang="fr-FR" smtClean="0"/>
-              <a:t>30/11/2022</a:t>
+              <a:t>11/12/2022</a:t>
             </a:fld>
             <a:endParaRPr lang="fr-FR"/>
           </a:p>
@@ -2823,7 +2808,7 @@
           <a:p>
             <a:fld id="{C252BA23-7B5F-4A4B-A1F0-012F661C0F7D}" type="datetimeFigureOut">
               <a:rPr lang="fr-FR" smtClean="0"/>
-              <a:t>30/11/2022</a:t>
+              <a:t>11/12/2022</a:t>
             </a:fld>
             <a:endParaRPr lang="fr-FR"/>
           </a:p>
@@ -3134,7 +3119,7 @@
           <a:p>
             <a:fld id="{C252BA23-7B5F-4A4B-A1F0-012F661C0F7D}" type="datetimeFigureOut">
               <a:rPr lang="fr-FR" smtClean="0"/>
-              <a:t>30/11/2022</a:t>
+              <a:t>11/12/2022</a:t>
             </a:fld>
             <a:endParaRPr lang="fr-FR"/>
           </a:p>
@@ -3422,7 +3407,7 @@
           <a:p>
             <a:fld id="{C252BA23-7B5F-4A4B-A1F0-012F661C0F7D}" type="datetimeFigureOut">
               <a:rPr lang="fr-FR" smtClean="0"/>
-              <a:t>30/11/2022</a:t>
+              <a:t>11/12/2022</a:t>
             </a:fld>
             <a:endParaRPr lang="fr-FR"/>
           </a:p>
@@ -3663,7 +3648,7 @@
           <a:p>
             <a:fld id="{C252BA23-7B5F-4A4B-A1F0-012F661C0F7D}" type="datetimeFigureOut">
               <a:rPr lang="fr-FR" smtClean="0"/>
-              <a:t>30/11/2022</a:t>
+              <a:t>11/12/2022</a:t>
             </a:fld>
             <a:endParaRPr lang="fr-FR"/>
           </a:p>
@@ -3756,6 +3741,54 @@
               <a:t>‹N°›</a:t>
             </a:fld>
             <a:endParaRPr lang="fr-FR"/>
+          </a:p>
+        </p:txBody>
+      </p:sp>
+      <p:sp>
+        <p:nvSpPr>
+          <p:cNvPr id="7" name="MSIPCMContentMarking" descr="{&quot;HashCode&quot;:-424964394,&quot;Placement&quot;:&quot;Footer&quot;,&quot;Top&quot;:520.3781,&quot;Left&quot;:874.774353,&quot;SlideWidth&quot;:960,&quot;SlideHeight&quot;:540}">
+            <a:extLst>
+              <a:ext uri="{FF2B5EF4-FFF2-40B4-BE49-F238E27FC236}">
+                <a16:creationId xmlns:a16="http://schemas.microsoft.com/office/drawing/2014/main" id="{C2DADE42-47FE-331B-FFCA-529605F21A11}"/>
+              </a:ext>
+            </a:extLst>
+          </p:cNvPr>
+          <p:cNvSpPr txBox="1"/>
+          <p:nvPr userDrawn="1"/>
+        </p:nvSpPr>
+        <p:spPr>
+          <a:xfrm>
+            <a:off x="11109634" y="6608802"/>
+            <a:ext cx="1082366" cy="249198"/>
+          </a:xfrm>
+          <a:prstGeom prst="rect">
+            <a:avLst/>
+          </a:prstGeom>
+          <a:noFill/>
+        </p:spPr>
+        <p:txBody>
+          <a:bodyPr vert="horz" wrap="square" lIns="0" tIns="0" rIns="0" bIns="0" rtlCol="0" anchor="ctr" anchorCtr="1">
+            <a:spAutoFit/>
+          </a:bodyPr>
+          <a:lstStyle/>
+          <a:p>
+            <a:pPr algn="r">
+              <a:spcBef>
+                <a:spcPts val="0"/>
+              </a:spcBef>
+              <a:spcAft>
+                <a:spcPts val="0"/>
+              </a:spcAft>
+            </a:pPr>
+            <a:r>
+              <a:rPr lang="fr-FR" sz="1000">
+                <a:solidFill>
+                  <a:srgbClr val="000000"/>
+                </a:solidFill>
+                <a:latin typeface="Arial" panose="020B0604020202020204" pitchFamily="34" charset="0"/>
+              </a:rPr>
+              <a:t>Confidential C</a:t>
+            </a:r>
           </a:p>
         </p:txBody>
       </p:sp>
@@ -7225,6 +7258,2981 @@
 </p:sld>
 </file>
 
+<file path=ppt/slides/slide15.xml><?xml version="1.0" encoding="utf-8"?>
+<p:sld xmlns:a="http://schemas.openxmlformats.org/drawingml/2006/main" xmlns:r="http://schemas.openxmlformats.org/officeDocument/2006/relationships" xmlns:p="http://schemas.openxmlformats.org/presentationml/2006/main">
+  <p:cSld>
+    <p:spTree>
+      <p:nvGrpSpPr>
+        <p:cNvPr id="1" name=""/>
+        <p:cNvGrpSpPr/>
+        <p:nvPr/>
+      </p:nvGrpSpPr>
+      <p:grpSpPr>
+        <a:xfrm>
+          <a:off x="0" y="0"/>
+          <a:ext cx="0" cy="0"/>
+          <a:chOff x="0" y="0"/>
+          <a:chExt cx="0" cy="0"/>
+        </a:xfrm>
+      </p:grpSpPr>
+      <p:sp>
+        <p:nvSpPr>
+          <p:cNvPr id="4" name="Rectangle : coins arrondis 3">
+            <a:extLst>
+              <a:ext uri="{FF2B5EF4-FFF2-40B4-BE49-F238E27FC236}">
+                <a16:creationId xmlns:a16="http://schemas.microsoft.com/office/drawing/2014/main" id="{5D498D6A-2CE6-73E6-9516-85E85C9755AC}"/>
+              </a:ext>
+            </a:extLst>
+          </p:cNvPr>
+          <p:cNvSpPr/>
+          <p:nvPr/>
+        </p:nvSpPr>
+        <p:spPr>
+          <a:xfrm>
+            <a:off x="5006089" y="2795206"/>
+            <a:ext cx="1862356" cy="402672"/>
+          </a:xfrm>
+          <a:prstGeom prst="roundRect">
+            <a:avLst/>
+          </a:prstGeom>
+        </p:spPr>
+        <p:style>
+          <a:lnRef idx="2">
+            <a:schemeClr val="accent1">
+              <a:shade val="50000"/>
+            </a:schemeClr>
+          </a:lnRef>
+          <a:fillRef idx="1">
+            <a:schemeClr val="accent1"/>
+          </a:fillRef>
+          <a:effectRef idx="0">
+            <a:schemeClr val="accent1"/>
+          </a:effectRef>
+          <a:fontRef idx="minor">
+            <a:schemeClr val="lt1"/>
+          </a:fontRef>
+        </p:style>
+        <p:txBody>
+          <a:bodyPr rtlCol="0" anchor="ctr"/>
+          <a:lstStyle/>
+          <a:p>
+            <a:pPr algn="ctr"/>
+            <a:r>
+              <a:rPr lang="fr-FR" dirty="0"/>
+              <a:t>ORGANISATION</a:t>
+            </a:r>
+          </a:p>
+        </p:txBody>
+      </p:sp>
+      <p:sp>
+        <p:nvSpPr>
+          <p:cNvPr id="6" name="Rectangle : coins arrondis 5">
+            <a:extLst>
+              <a:ext uri="{FF2B5EF4-FFF2-40B4-BE49-F238E27FC236}">
+                <a16:creationId xmlns:a16="http://schemas.microsoft.com/office/drawing/2014/main" id="{D3CE0F20-AC60-CD37-A675-2A0016B30AD3}"/>
+              </a:ext>
+            </a:extLst>
+          </p:cNvPr>
+          <p:cNvSpPr/>
+          <p:nvPr/>
+        </p:nvSpPr>
+        <p:spPr>
+          <a:xfrm>
+            <a:off x="67112" y="5234730"/>
+            <a:ext cx="1862356" cy="402672"/>
+          </a:xfrm>
+          <a:prstGeom prst="roundRect">
+            <a:avLst/>
+          </a:prstGeom>
+        </p:spPr>
+        <p:style>
+          <a:lnRef idx="2">
+            <a:schemeClr val="accent1">
+              <a:shade val="50000"/>
+            </a:schemeClr>
+          </a:lnRef>
+          <a:fillRef idx="1">
+            <a:schemeClr val="accent1"/>
+          </a:fillRef>
+          <a:effectRef idx="0">
+            <a:schemeClr val="accent1"/>
+          </a:effectRef>
+          <a:fontRef idx="minor">
+            <a:schemeClr val="lt1"/>
+          </a:fontRef>
+        </p:style>
+        <p:txBody>
+          <a:bodyPr rtlCol="0" anchor="ctr"/>
+          <a:lstStyle/>
+          <a:p>
+            <a:pPr algn="ctr"/>
+            <a:r>
+              <a:rPr lang="fr-FR" dirty="0"/>
+              <a:t>EVENT</a:t>
+            </a:r>
+          </a:p>
+        </p:txBody>
+      </p:sp>
+      <p:sp>
+        <p:nvSpPr>
+          <p:cNvPr id="7" name="Rectangle : coins arrondis 6">
+            <a:extLst>
+              <a:ext uri="{FF2B5EF4-FFF2-40B4-BE49-F238E27FC236}">
+                <a16:creationId xmlns:a16="http://schemas.microsoft.com/office/drawing/2014/main" id="{6C0D870A-CC85-8CD5-0643-4B2197753BB0}"/>
+              </a:ext>
+            </a:extLst>
+          </p:cNvPr>
+          <p:cNvSpPr/>
+          <p:nvPr/>
+        </p:nvSpPr>
+        <p:spPr>
+          <a:xfrm>
+            <a:off x="3231817" y="5878545"/>
+            <a:ext cx="1862356" cy="402672"/>
+          </a:xfrm>
+          <a:prstGeom prst="roundRect">
+            <a:avLst/>
+          </a:prstGeom>
+        </p:spPr>
+        <p:style>
+          <a:lnRef idx="2">
+            <a:schemeClr val="accent1">
+              <a:shade val="50000"/>
+            </a:schemeClr>
+          </a:lnRef>
+          <a:fillRef idx="1">
+            <a:schemeClr val="accent1"/>
+          </a:fillRef>
+          <a:effectRef idx="0">
+            <a:schemeClr val="accent1"/>
+          </a:effectRef>
+          <a:fontRef idx="minor">
+            <a:schemeClr val="lt1"/>
+          </a:fontRef>
+        </p:style>
+        <p:txBody>
+          <a:bodyPr rtlCol="0" anchor="ctr"/>
+          <a:lstStyle/>
+          <a:p>
+            <a:pPr algn="ctr"/>
+            <a:r>
+              <a:rPr lang="fr-FR" dirty="0"/>
+              <a:t>NEWSLETTER</a:t>
+            </a:r>
+          </a:p>
+        </p:txBody>
+      </p:sp>
+      <p:sp>
+        <p:nvSpPr>
+          <p:cNvPr id="8" name="Rectangle : coins arrondis 7">
+            <a:extLst>
+              <a:ext uri="{FF2B5EF4-FFF2-40B4-BE49-F238E27FC236}">
+                <a16:creationId xmlns:a16="http://schemas.microsoft.com/office/drawing/2014/main" id="{C09094D3-DBBF-49D8-DAD4-FB1B8F2A8ABD}"/>
+              </a:ext>
+            </a:extLst>
+          </p:cNvPr>
+          <p:cNvSpPr/>
+          <p:nvPr/>
+        </p:nvSpPr>
+        <p:spPr>
+          <a:xfrm>
+            <a:off x="6780360" y="5878545"/>
+            <a:ext cx="1862356" cy="402672"/>
+          </a:xfrm>
+          <a:prstGeom prst="roundRect">
+            <a:avLst/>
+          </a:prstGeom>
+        </p:spPr>
+        <p:style>
+          <a:lnRef idx="2">
+            <a:schemeClr val="accent1">
+              <a:shade val="50000"/>
+            </a:schemeClr>
+          </a:lnRef>
+          <a:fillRef idx="1">
+            <a:schemeClr val="accent1"/>
+          </a:fillRef>
+          <a:effectRef idx="0">
+            <a:schemeClr val="accent1"/>
+          </a:effectRef>
+          <a:fontRef idx="minor">
+            <a:schemeClr val="lt1"/>
+          </a:fontRef>
+        </p:style>
+        <p:txBody>
+          <a:bodyPr rtlCol="0" anchor="ctr"/>
+          <a:lstStyle/>
+          <a:p>
+            <a:pPr algn="ctr"/>
+            <a:r>
+              <a:rPr lang="fr-FR" dirty="0"/>
+              <a:t>BOOK ENTRY</a:t>
+            </a:r>
+          </a:p>
+        </p:txBody>
+      </p:sp>
+      <p:sp>
+        <p:nvSpPr>
+          <p:cNvPr id="9" name="Rectangle : coins arrondis 8">
+            <a:extLst>
+              <a:ext uri="{FF2B5EF4-FFF2-40B4-BE49-F238E27FC236}">
+                <a16:creationId xmlns:a16="http://schemas.microsoft.com/office/drawing/2014/main" id="{8696A61B-6660-53DE-5A96-72806E536FE9}"/>
+              </a:ext>
+            </a:extLst>
+          </p:cNvPr>
+          <p:cNvSpPr/>
+          <p:nvPr/>
+        </p:nvSpPr>
+        <p:spPr>
+          <a:xfrm>
+            <a:off x="9982899" y="5234730"/>
+            <a:ext cx="1862356" cy="402672"/>
+          </a:xfrm>
+          <a:prstGeom prst="roundRect">
+            <a:avLst/>
+          </a:prstGeom>
+        </p:spPr>
+        <p:style>
+          <a:lnRef idx="2">
+            <a:schemeClr val="accent1">
+              <a:shade val="50000"/>
+            </a:schemeClr>
+          </a:lnRef>
+          <a:fillRef idx="1">
+            <a:schemeClr val="accent1"/>
+          </a:fillRef>
+          <a:effectRef idx="0">
+            <a:schemeClr val="accent1"/>
+          </a:effectRef>
+          <a:fontRef idx="minor">
+            <a:schemeClr val="lt1"/>
+          </a:fontRef>
+        </p:style>
+        <p:txBody>
+          <a:bodyPr rtlCol="0" anchor="ctr"/>
+          <a:lstStyle/>
+          <a:p>
+            <a:pPr algn="ctr"/>
+            <a:r>
+              <a:rPr lang="fr-FR" dirty="0"/>
+              <a:t>OPENING HOUR</a:t>
+            </a:r>
+          </a:p>
+        </p:txBody>
+      </p:sp>
+      <p:sp>
+        <p:nvSpPr>
+          <p:cNvPr id="10" name="Rectangle : coins arrondis 9">
+            <a:extLst>
+              <a:ext uri="{FF2B5EF4-FFF2-40B4-BE49-F238E27FC236}">
+                <a16:creationId xmlns:a16="http://schemas.microsoft.com/office/drawing/2014/main" id="{83691058-B70E-BD76-910A-A8678268C11B}"/>
+              </a:ext>
+            </a:extLst>
+          </p:cNvPr>
+          <p:cNvSpPr/>
+          <p:nvPr/>
+        </p:nvSpPr>
+        <p:spPr>
+          <a:xfrm>
+            <a:off x="5006089" y="714912"/>
+            <a:ext cx="1862356" cy="402672"/>
+          </a:xfrm>
+          <a:prstGeom prst="roundRect">
+            <a:avLst/>
+          </a:prstGeom>
+        </p:spPr>
+        <p:style>
+          <a:lnRef idx="2">
+            <a:schemeClr val="accent1">
+              <a:shade val="50000"/>
+            </a:schemeClr>
+          </a:lnRef>
+          <a:fillRef idx="1">
+            <a:schemeClr val="accent1"/>
+          </a:fillRef>
+          <a:effectRef idx="0">
+            <a:schemeClr val="accent1"/>
+          </a:effectRef>
+          <a:fontRef idx="minor">
+            <a:schemeClr val="lt1"/>
+          </a:fontRef>
+        </p:style>
+        <p:txBody>
+          <a:bodyPr rtlCol="0" anchor="ctr"/>
+          <a:lstStyle/>
+          <a:p>
+            <a:pPr algn="ctr"/>
+            <a:r>
+              <a:rPr lang="fr-FR" dirty="0"/>
+              <a:t>USER</a:t>
+            </a:r>
+          </a:p>
+        </p:txBody>
+      </p:sp>
+      <p:sp>
+        <p:nvSpPr>
+          <p:cNvPr id="11" name="ZoneTexte 10">
+            <a:extLst>
+              <a:ext uri="{FF2B5EF4-FFF2-40B4-BE49-F238E27FC236}">
+                <a16:creationId xmlns:a16="http://schemas.microsoft.com/office/drawing/2014/main" id="{D9877412-8DEB-435C-D207-E882E40382C8}"/>
+              </a:ext>
+            </a:extLst>
+          </p:cNvPr>
+          <p:cNvSpPr txBox="1"/>
+          <p:nvPr/>
+        </p:nvSpPr>
+        <p:spPr>
+          <a:xfrm>
+            <a:off x="5950767" y="1779860"/>
+            <a:ext cx="3512500" cy="830997"/>
+          </a:xfrm>
+          <a:prstGeom prst="rect">
+            <a:avLst/>
+          </a:prstGeom>
+          <a:noFill/>
+        </p:spPr>
+        <p:txBody>
+          <a:bodyPr wrap="none" rtlCol="0">
+            <a:spAutoFit/>
+          </a:bodyPr>
+          <a:lstStyle/>
+          <a:p>
+            <a:pPr>
+              <a:tabLst>
+                <a:tab pos="533400" algn="l"/>
+              </a:tabLst>
+            </a:pPr>
+            <a:r>
+              <a:rPr lang="fr-FR" sz="1200" b="1" dirty="0">
+                <a:solidFill>
+                  <a:srgbClr val="7030A0"/>
+                </a:solidFill>
+              </a:rPr>
+              <a:t>POST </a:t>
+            </a:r>
+            <a:r>
+              <a:rPr lang="fr-FR" sz="1200" dirty="0">
+                <a:latin typeface="Courier New" panose="02070309020205020404" pitchFamily="49" charset="0"/>
+                <a:cs typeface="Courier New" panose="02070309020205020404" pitchFamily="49" charset="0"/>
+              </a:rPr>
+              <a:t>pseudo</a:t>
+            </a:r>
+            <a:br>
+              <a:rPr lang="fr-FR" sz="1200" dirty="0">
+                <a:latin typeface="Courier New" panose="02070309020205020404" pitchFamily="49" charset="0"/>
+                <a:cs typeface="Courier New" panose="02070309020205020404" pitchFamily="49" charset="0"/>
+              </a:rPr>
+            </a:br>
+            <a:r>
+              <a:rPr lang="fr-FR" sz="1200" b="1" dirty="0">
+                <a:solidFill>
+                  <a:srgbClr val="FF0000"/>
+                </a:solidFill>
+              </a:rPr>
+              <a:t>DELETE </a:t>
+            </a:r>
+            <a:r>
+              <a:rPr lang="fr-FR" sz="1200" dirty="0">
+                <a:latin typeface="Courier New" panose="02070309020205020404" pitchFamily="49" charset="0"/>
+                <a:cs typeface="Courier New" panose="02070309020205020404" pitchFamily="49" charset="0"/>
+              </a:rPr>
+              <a:t>pseudo/SIRET</a:t>
+            </a:r>
+            <a:br>
+              <a:rPr lang="fr-FR" sz="1200" dirty="0">
+                <a:latin typeface="Courier New" panose="02070309020205020404" pitchFamily="49" charset="0"/>
+                <a:cs typeface="Courier New" panose="02070309020205020404" pitchFamily="49" charset="0"/>
+              </a:rPr>
+            </a:br>
+            <a:r>
+              <a:rPr lang="fr-FR" sz="1200" b="1" dirty="0"/>
+              <a:t>GET	</a:t>
+            </a:r>
+            <a:r>
+              <a:rPr lang="fr-FR" sz="1200" dirty="0">
+                <a:latin typeface="Courier New" panose="02070309020205020404" pitchFamily="49" charset="0"/>
+                <a:cs typeface="Courier New" panose="02070309020205020404" pitchFamily="49" charset="0"/>
+              </a:rPr>
+              <a:t>pseudo </a:t>
+            </a:r>
+            <a:r>
+              <a:rPr lang="fr-FR" sz="1200" dirty="0">
+                <a:latin typeface="Courier New" panose="02070309020205020404" pitchFamily="49" charset="0"/>
+                <a:cs typeface="Courier New" panose="02070309020205020404" pitchFamily="49" charset="0"/>
+                <a:sym typeface="Wingdings" panose="05000000000000000000" pitchFamily="2" charset="2"/>
+              </a:rPr>
+              <a:t>:</a:t>
+            </a:r>
+            <a:r>
+              <a:rPr lang="fr-FR" sz="1200" dirty="0">
+                <a:latin typeface="Courier New" panose="02070309020205020404" pitchFamily="49" charset="0"/>
+                <a:cs typeface="Courier New" panose="02070309020205020404" pitchFamily="49" charset="0"/>
+              </a:rPr>
+              <a:t> </a:t>
+            </a:r>
+            <a:r>
+              <a:rPr lang="fr-FR" sz="1200" i="1" dirty="0">
+                <a:latin typeface="Courier New" panose="02070309020205020404" pitchFamily="49" charset="0"/>
+                <a:cs typeface="Courier New" panose="02070309020205020404" pitchFamily="49" charset="0"/>
+              </a:rPr>
+              <a:t>List of Organisations</a:t>
+            </a:r>
+            <a:br>
+              <a:rPr lang="fr-FR" sz="1200" i="1" dirty="0">
+                <a:latin typeface="Courier New" panose="02070309020205020404" pitchFamily="49" charset="0"/>
+                <a:cs typeface="Courier New" panose="02070309020205020404" pitchFamily="49" charset="0"/>
+              </a:rPr>
+            </a:br>
+            <a:r>
+              <a:rPr lang="fr-FR" sz="1200" b="1" dirty="0"/>
+              <a:t>GET	</a:t>
+            </a:r>
+            <a:r>
+              <a:rPr lang="fr-FR" sz="1200" dirty="0">
+                <a:latin typeface="Courier New" panose="02070309020205020404" pitchFamily="49" charset="0"/>
+                <a:cs typeface="Courier New" panose="02070309020205020404" pitchFamily="49" charset="0"/>
+              </a:rPr>
+              <a:t>SIRET </a:t>
+            </a:r>
+            <a:r>
+              <a:rPr lang="fr-FR" sz="1200" dirty="0">
+                <a:latin typeface="Courier New" panose="02070309020205020404" pitchFamily="49" charset="0"/>
+                <a:cs typeface="Courier New" panose="02070309020205020404" pitchFamily="49" charset="0"/>
+                <a:sym typeface="Wingdings" panose="05000000000000000000" pitchFamily="2" charset="2"/>
+              </a:rPr>
+              <a:t>:</a:t>
+            </a:r>
+            <a:r>
+              <a:rPr lang="fr-FR" sz="1200" dirty="0">
+                <a:latin typeface="Courier New" panose="02070309020205020404" pitchFamily="49" charset="0"/>
+                <a:cs typeface="Courier New" panose="02070309020205020404" pitchFamily="49" charset="0"/>
+              </a:rPr>
+              <a:t> </a:t>
+            </a:r>
+            <a:r>
+              <a:rPr lang="fr-FR" sz="1200" i="1" dirty="0">
+                <a:latin typeface="Courier New" panose="02070309020205020404" pitchFamily="49" charset="0"/>
+                <a:cs typeface="Courier New" panose="02070309020205020404" pitchFamily="49" charset="0"/>
+              </a:rPr>
+              <a:t>List of </a:t>
+            </a:r>
+            <a:r>
+              <a:rPr lang="fr-FR" sz="1200" i="1" dirty="0" err="1">
+                <a:latin typeface="Courier New" panose="02070309020205020404" pitchFamily="49" charset="0"/>
+                <a:cs typeface="Courier New" panose="02070309020205020404" pitchFamily="49" charset="0"/>
+              </a:rPr>
+              <a:t>Users</a:t>
+            </a:r>
+            <a:endParaRPr lang="fr-FR" sz="1200" dirty="0">
+              <a:latin typeface="Courier New" panose="02070309020205020404" pitchFamily="49" charset="0"/>
+              <a:cs typeface="Courier New" panose="02070309020205020404" pitchFamily="49" charset="0"/>
+            </a:endParaRPr>
+          </a:p>
+        </p:txBody>
+      </p:sp>
+      <p:sp>
+        <p:nvSpPr>
+          <p:cNvPr id="16" name="Rectangle : coins arrondis 15">
+            <a:extLst>
+              <a:ext uri="{FF2B5EF4-FFF2-40B4-BE49-F238E27FC236}">
+                <a16:creationId xmlns:a16="http://schemas.microsoft.com/office/drawing/2014/main" id="{60BF328F-04A9-0C0A-8962-A5210AF2E547}"/>
+              </a:ext>
+            </a:extLst>
+          </p:cNvPr>
+          <p:cNvSpPr/>
+          <p:nvPr/>
+        </p:nvSpPr>
+        <p:spPr>
+          <a:xfrm>
+            <a:off x="67113" y="1918142"/>
+            <a:ext cx="1862356" cy="402672"/>
+          </a:xfrm>
+          <a:prstGeom prst="roundRect">
+            <a:avLst/>
+          </a:prstGeom>
+        </p:spPr>
+        <p:style>
+          <a:lnRef idx="2">
+            <a:schemeClr val="accent1">
+              <a:shade val="50000"/>
+            </a:schemeClr>
+          </a:lnRef>
+          <a:fillRef idx="1">
+            <a:schemeClr val="accent1"/>
+          </a:fillRef>
+          <a:effectRef idx="0">
+            <a:schemeClr val="accent1"/>
+          </a:effectRef>
+          <a:fontRef idx="minor">
+            <a:schemeClr val="lt1"/>
+          </a:fontRef>
+        </p:style>
+        <p:txBody>
+          <a:bodyPr rtlCol="0" anchor="ctr"/>
+          <a:lstStyle/>
+          <a:p>
+            <a:pPr algn="ctr"/>
+            <a:r>
+              <a:rPr lang="fr-FR" dirty="0"/>
+              <a:t>ROLE</a:t>
+            </a:r>
+          </a:p>
+        </p:txBody>
+      </p:sp>
+      <p:cxnSp>
+        <p:nvCxnSpPr>
+          <p:cNvPr id="18" name="Connecteur : en arc 17">
+            <a:extLst>
+              <a:ext uri="{FF2B5EF4-FFF2-40B4-BE49-F238E27FC236}">
+                <a16:creationId xmlns:a16="http://schemas.microsoft.com/office/drawing/2014/main" id="{E7CEEE1B-88AE-39DC-77D6-B87DCE48BDCD}"/>
+              </a:ext>
+            </a:extLst>
+          </p:cNvPr>
+          <p:cNvCxnSpPr>
+            <a:cxnSpLocks/>
+            <a:stCxn id="108" idx="4"/>
+            <a:endCxn id="6" idx="0"/>
+          </p:cNvCxnSpPr>
+          <p:nvPr/>
+        </p:nvCxnSpPr>
+        <p:spPr>
+          <a:xfrm rot="5400000">
+            <a:off x="2559509" y="1856972"/>
+            <a:ext cx="1816540" cy="4938977"/>
+          </a:xfrm>
+          <a:prstGeom prst="curvedConnector3">
+            <a:avLst>
+              <a:gd name="adj1" fmla="val 50000"/>
+            </a:avLst>
+          </a:prstGeom>
+          <a:ln>
+            <a:tailEnd type="triangle"/>
+          </a:ln>
+        </p:spPr>
+        <p:style>
+          <a:lnRef idx="1">
+            <a:schemeClr val="accent1"/>
+          </a:lnRef>
+          <a:fillRef idx="0">
+            <a:schemeClr val="accent1"/>
+          </a:fillRef>
+          <a:effectRef idx="0">
+            <a:schemeClr val="accent1"/>
+          </a:effectRef>
+          <a:fontRef idx="minor">
+            <a:schemeClr val="tx1"/>
+          </a:fontRef>
+        </p:style>
+      </p:cxnSp>
+      <p:cxnSp>
+        <p:nvCxnSpPr>
+          <p:cNvPr id="19" name="Connecteur : en arc 18">
+            <a:extLst>
+              <a:ext uri="{FF2B5EF4-FFF2-40B4-BE49-F238E27FC236}">
+                <a16:creationId xmlns:a16="http://schemas.microsoft.com/office/drawing/2014/main" id="{1C0DFD14-1757-16DA-5DCE-D8CE572CBF6D}"/>
+              </a:ext>
+            </a:extLst>
+          </p:cNvPr>
+          <p:cNvCxnSpPr>
+            <a:cxnSpLocks/>
+            <a:stCxn id="94" idx="4"/>
+            <a:endCxn id="7" idx="0"/>
+          </p:cNvCxnSpPr>
+          <p:nvPr/>
+        </p:nvCxnSpPr>
+        <p:spPr>
+          <a:xfrm rot="5400000">
+            <a:off x="4599245" y="4540522"/>
+            <a:ext cx="901773" cy="1774272"/>
+          </a:xfrm>
+          <a:prstGeom prst="curvedConnector3">
+            <a:avLst>
+              <a:gd name="adj1" fmla="val 50000"/>
+            </a:avLst>
+          </a:prstGeom>
+          <a:ln>
+            <a:tailEnd type="triangle"/>
+          </a:ln>
+        </p:spPr>
+        <p:style>
+          <a:lnRef idx="1">
+            <a:schemeClr val="accent1"/>
+          </a:lnRef>
+          <a:fillRef idx="0">
+            <a:schemeClr val="accent1"/>
+          </a:fillRef>
+          <a:effectRef idx="0">
+            <a:schemeClr val="accent1"/>
+          </a:effectRef>
+          <a:fontRef idx="minor">
+            <a:schemeClr val="tx1"/>
+          </a:fontRef>
+        </p:style>
+      </p:cxnSp>
+      <p:cxnSp>
+        <p:nvCxnSpPr>
+          <p:cNvPr id="22" name="Connecteur : en arc 21">
+            <a:extLst>
+              <a:ext uri="{FF2B5EF4-FFF2-40B4-BE49-F238E27FC236}">
+                <a16:creationId xmlns:a16="http://schemas.microsoft.com/office/drawing/2014/main" id="{4672B9D4-3979-8FCA-5D15-A9564AADF691}"/>
+              </a:ext>
+            </a:extLst>
+          </p:cNvPr>
+          <p:cNvCxnSpPr>
+            <a:cxnSpLocks/>
+            <a:stCxn id="94" idx="4"/>
+            <a:endCxn id="8" idx="0"/>
+          </p:cNvCxnSpPr>
+          <p:nvPr/>
+        </p:nvCxnSpPr>
+        <p:spPr>
+          <a:xfrm rot="16200000" flipH="1">
+            <a:off x="6373516" y="4540522"/>
+            <a:ext cx="901773" cy="1774271"/>
+          </a:xfrm>
+          <a:prstGeom prst="curvedConnector3">
+            <a:avLst>
+              <a:gd name="adj1" fmla="val 50000"/>
+            </a:avLst>
+          </a:prstGeom>
+          <a:ln>
+            <a:tailEnd type="triangle"/>
+          </a:ln>
+        </p:spPr>
+        <p:style>
+          <a:lnRef idx="1">
+            <a:schemeClr val="accent1"/>
+          </a:lnRef>
+          <a:fillRef idx="0">
+            <a:schemeClr val="accent1"/>
+          </a:fillRef>
+          <a:effectRef idx="0">
+            <a:schemeClr val="accent1"/>
+          </a:effectRef>
+          <a:fontRef idx="minor">
+            <a:schemeClr val="tx1"/>
+          </a:fontRef>
+        </p:style>
+      </p:cxnSp>
+      <p:cxnSp>
+        <p:nvCxnSpPr>
+          <p:cNvPr id="25" name="Connecteur : en arc 24">
+            <a:extLst>
+              <a:ext uri="{FF2B5EF4-FFF2-40B4-BE49-F238E27FC236}">
+                <a16:creationId xmlns:a16="http://schemas.microsoft.com/office/drawing/2014/main" id="{23052309-5243-4F9C-4F70-17193BF632C8}"/>
+              </a:ext>
+            </a:extLst>
+          </p:cNvPr>
+          <p:cNvCxnSpPr>
+            <a:cxnSpLocks/>
+            <a:stCxn id="108" idx="4"/>
+            <a:endCxn id="9" idx="0"/>
+          </p:cNvCxnSpPr>
+          <p:nvPr/>
+        </p:nvCxnSpPr>
+        <p:spPr>
+          <a:xfrm rot="16200000" flipH="1">
+            <a:off x="7517402" y="1838055"/>
+            <a:ext cx="1816540" cy="4976810"/>
+          </a:xfrm>
+          <a:prstGeom prst="curvedConnector3">
+            <a:avLst>
+              <a:gd name="adj1" fmla="val 50000"/>
+            </a:avLst>
+          </a:prstGeom>
+          <a:ln>
+            <a:tailEnd type="triangle"/>
+          </a:ln>
+        </p:spPr>
+        <p:style>
+          <a:lnRef idx="1">
+            <a:schemeClr val="accent1"/>
+          </a:lnRef>
+          <a:fillRef idx="0">
+            <a:schemeClr val="accent1"/>
+          </a:fillRef>
+          <a:effectRef idx="0">
+            <a:schemeClr val="accent1"/>
+          </a:effectRef>
+          <a:fontRef idx="minor">
+            <a:schemeClr val="tx1"/>
+          </a:fontRef>
+        </p:style>
+      </p:cxnSp>
+      <p:sp>
+        <p:nvSpPr>
+          <p:cNvPr id="35" name="ZoneTexte 34">
+            <a:extLst>
+              <a:ext uri="{FF2B5EF4-FFF2-40B4-BE49-F238E27FC236}">
+                <a16:creationId xmlns:a16="http://schemas.microsoft.com/office/drawing/2014/main" id="{A8ED5D5F-C16D-7DDF-6917-6B2A2D30DFC2}"/>
+              </a:ext>
+            </a:extLst>
+          </p:cNvPr>
+          <p:cNvSpPr txBox="1"/>
+          <p:nvPr/>
+        </p:nvSpPr>
+        <p:spPr>
+          <a:xfrm>
+            <a:off x="9556892" y="3746426"/>
+            <a:ext cx="875753" cy="369332"/>
+          </a:xfrm>
+          <a:prstGeom prst="rect">
+            <a:avLst/>
+          </a:prstGeom>
+          <a:noFill/>
+        </p:spPr>
+        <p:txBody>
+          <a:bodyPr wrap="none" rtlCol="0">
+            <a:spAutoFit/>
+          </a:bodyPr>
+          <a:lstStyle/>
+          <a:p>
+            <a:r>
+              <a:rPr lang="fr-FR" i="1" dirty="0" err="1"/>
+              <a:t>declare</a:t>
+            </a:r>
+            <a:endParaRPr lang="fr-FR" i="1" dirty="0"/>
+          </a:p>
+        </p:txBody>
+      </p:sp>
+      <p:sp>
+        <p:nvSpPr>
+          <p:cNvPr id="36" name="ZoneTexte 35">
+            <a:extLst>
+              <a:ext uri="{FF2B5EF4-FFF2-40B4-BE49-F238E27FC236}">
+                <a16:creationId xmlns:a16="http://schemas.microsoft.com/office/drawing/2014/main" id="{414D54BD-81A3-54BB-FD1B-93EA75F577BD}"/>
+              </a:ext>
+            </a:extLst>
+          </p:cNvPr>
+          <p:cNvSpPr txBox="1"/>
+          <p:nvPr/>
+        </p:nvSpPr>
+        <p:spPr>
+          <a:xfrm>
+            <a:off x="301714" y="3771558"/>
+            <a:ext cx="990977" cy="369332"/>
+          </a:xfrm>
+          <a:prstGeom prst="rect">
+            <a:avLst/>
+          </a:prstGeom>
+          <a:noFill/>
+        </p:spPr>
+        <p:txBody>
+          <a:bodyPr wrap="none" rtlCol="0">
+            <a:spAutoFit/>
+          </a:bodyPr>
+          <a:lstStyle/>
+          <a:p>
+            <a:r>
+              <a:rPr lang="fr-FR" i="1" dirty="0"/>
+              <a:t>organise</a:t>
+            </a:r>
+          </a:p>
+        </p:txBody>
+      </p:sp>
+      <p:sp>
+        <p:nvSpPr>
+          <p:cNvPr id="37" name="ZoneTexte 36">
+            <a:extLst>
+              <a:ext uri="{FF2B5EF4-FFF2-40B4-BE49-F238E27FC236}">
+                <a16:creationId xmlns:a16="http://schemas.microsoft.com/office/drawing/2014/main" id="{4B28160C-1CD9-9548-6C97-D9EF32C53E31}"/>
+              </a:ext>
+            </a:extLst>
+          </p:cNvPr>
+          <p:cNvSpPr txBox="1"/>
+          <p:nvPr/>
+        </p:nvSpPr>
+        <p:spPr>
+          <a:xfrm>
+            <a:off x="6462491" y="4701862"/>
+            <a:ext cx="793743" cy="369332"/>
+          </a:xfrm>
+          <a:prstGeom prst="rect">
+            <a:avLst/>
+          </a:prstGeom>
+          <a:noFill/>
+        </p:spPr>
+        <p:txBody>
+          <a:bodyPr wrap="none" rtlCol="0">
+            <a:spAutoFit/>
+          </a:bodyPr>
+          <a:lstStyle/>
+          <a:p>
+            <a:r>
+              <a:rPr lang="fr-FR" i="1" dirty="0"/>
+              <a:t>record</a:t>
+            </a:r>
+          </a:p>
+        </p:txBody>
+      </p:sp>
+      <p:sp>
+        <p:nvSpPr>
+          <p:cNvPr id="38" name="ZoneTexte 37">
+            <a:extLst>
+              <a:ext uri="{FF2B5EF4-FFF2-40B4-BE49-F238E27FC236}">
+                <a16:creationId xmlns:a16="http://schemas.microsoft.com/office/drawing/2014/main" id="{E74B1AEE-051B-36B9-5148-7A8B43FD2E0B}"/>
+              </a:ext>
+            </a:extLst>
+          </p:cNvPr>
+          <p:cNvSpPr txBox="1"/>
+          <p:nvPr/>
+        </p:nvSpPr>
+        <p:spPr>
+          <a:xfrm>
+            <a:off x="2919194" y="4671195"/>
+            <a:ext cx="867545" cy="369332"/>
+          </a:xfrm>
+          <a:prstGeom prst="rect">
+            <a:avLst/>
+          </a:prstGeom>
+          <a:noFill/>
+        </p:spPr>
+        <p:txBody>
+          <a:bodyPr wrap="none" rtlCol="0">
+            <a:spAutoFit/>
+          </a:bodyPr>
+          <a:lstStyle/>
+          <a:p>
+            <a:r>
+              <a:rPr lang="fr-FR" i="1" dirty="0" err="1"/>
+              <a:t>publish</a:t>
+            </a:r>
+            <a:endParaRPr lang="fr-FR" i="1" dirty="0"/>
+          </a:p>
+        </p:txBody>
+      </p:sp>
+      <p:cxnSp>
+        <p:nvCxnSpPr>
+          <p:cNvPr id="39" name="Connecteur : en arc 38">
+            <a:extLst>
+              <a:ext uri="{FF2B5EF4-FFF2-40B4-BE49-F238E27FC236}">
+                <a16:creationId xmlns:a16="http://schemas.microsoft.com/office/drawing/2014/main" id="{3C9AF277-83B3-8408-D9BE-DDBA1C276312}"/>
+              </a:ext>
+            </a:extLst>
+          </p:cNvPr>
+          <p:cNvCxnSpPr>
+            <a:cxnSpLocks/>
+            <a:stCxn id="10" idx="2"/>
+            <a:endCxn id="4" idx="0"/>
+          </p:cNvCxnSpPr>
+          <p:nvPr/>
+        </p:nvCxnSpPr>
+        <p:spPr>
+          <a:xfrm rot="5400000">
+            <a:off x="5098456" y="1956395"/>
+            <a:ext cx="1677622" cy="12700"/>
+          </a:xfrm>
+          <a:prstGeom prst="curvedConnector3">
+            <a:avLst>
+              <a:gd name="adj1" fmla="val 50000"/>
+            </a:avLst>
+          </a:prstGeom>
+          <a:ln>
+            <a:tailEnd type="triangle"/>
+          </a:ln>
+        </p:spPr>
+        <p:style>
+          <a:lnRef idx="1">
+            <a:schemeClr val="accent1"/>
+          </a:lnRef>
+          <a:fillRef idx="0">
+            <a:schemeClr val="accent1"/>
+          </a:fillRef>
+          <a:effectRef idx="0">
+            <a:schemeClr val="accent1"/>
+          </a:effectRef>
+          <a:fontRef idx="minor">
+            <a:schemeClr val="tx1"/>
+          </a:fontRef>
+        </p:style>
+      </p:cxnSp>
+      <p:sp>
+        <p:nvSpPr>
+          <p:cNvPr id="42" name="ZoneTexte 41">
+            <a:extLst>
+              <a:ext uri="{FF2B5EF4-FFF2-40B4-BE49-F238E27FC236}">
+                <a16:creationId xmlns:a16="http://schemas.microsoft.com/office/drawing/2014/main" id="{E306E3B6-E153-B47C-3171-A50AE614877F}"/>
+              </a:ext>
+            </a:extLst>
+          </p:cNvPr>
+          <p:cNvSpPr txBox="1"/>
+          <p:nvPr/>
+        </p:nvSpPr>
+        <p:spPr>
+          <a:xfrm>
+            <a:off x="5950767" y="1533790"/>
+            <a:ext cx="1074781" cy="369332"/>
+          </a:xfrm>
+          <a:prstGeom prst="rect">
+            <a:avLst/>
+          </a:prstGeom>
+          <a:noFill/>
+        </p:spPr>
+        <p:txBody>
+          <a:bodyPr wrap="none" rtlCol="0">
+            <a:spAutoFit/>
+          </a:bodyPr>
+          <a:lstStyle/>
+          <a:p>
+            <a:r>
+              <a:rPr lang="fr-FR" dirty="0" err="1"/>
+              <a:t>subscribe</a:t>
+            </a:r>
+            <a:endParaRPr lang="fr-FR" dirty="0"/>
+          </a:p>
+        </p:txBody>
+      </p:sp>
+      <p:cxnSp>
+        <p:nvCxnSpPr>
+          <p:cNvPr id="49" name="Connecteur droit avec flèche 48">
+            <a:extLst>
+              <a:ext uri="{FF2B5EF4-FFF2-40B4-BE49-F238E27FC236}">
+                <a16:creationId xmlns:a16="http://schemas.microsoft.com/office/drawing/2014/main" id="{DD18A57B-B091-F97C-F6F1-44FD0C4B1BA4}"/>
+              </a:ext>
+            </a:extLst>
+          </p:cNvPr>
+          <p:cNvCxnSpPr>
+            <a:cxnSpLocks/>
+            <a:stCxn id="16" idx="3"/>
+          </p:cNvCxnSpPr>
+          <p:nvPr/>
+        </p:nvCxnSpPr>
+        <p:spPr>
+          <a:xfrm>
+            <a:off x="1929469" y="2119478"/>
+            <a:ext cx="4001448" cy="0"/>
+          </a:xfrm>
+          <a:prstGeom prst="straightConnector1">
+            <a:avLst/>
+          </a:prstGeom>
+          <a:ln>
+            <a:tailEnd type="oval"/>
+          </a:ln>
+        </p:spPr>
+        <p:style>
+          <a:lnRef idx="1">
+            <a:schemeClr val="accent1"/>
+          </a:lnRef>
+          <a:fillRef idx="0">
+            <a:schemeClr val="accent1"/>
+          </a:fillRef>
+          <a:effectRef idx="0">
+            <a:schemeClr val="accent1"/>
+          </a:effectRef>
+          <a:fontRef idx="minor">
+            <a:schemeClr val="tx1"/>
+          </a:fontRef>
+        </p:style>
+      </p:cxnSp>
+      <p:sp>
+        <p:nvSpPr>
+          <p:cNvPr id="52" name="ZoneTexte 51">
+            <a:extLst>
+              <a:ext uri="{FF2B5EF4-FFF2-40B4-BE49-F238E27FC236}">
+                <a16:creationId xmlns:a16="http://schemas.microsoft.com/office/drawing/2014/main" id="{DF0A7044-C1A5-823E-E5F4-B5C20496BA83}"/>
+              </a:ext>
+            </a:extLst>
+          </p:cNvPr>
+          <p:cNvSpPr txBox="1"/>
+          <p:nvPr/>
+        </p:nvSpPr>
+        <p:spPr>
+          <a:xfrm>
+            <a:off x="2040212" y="1437119"/>
+            <a:ext cx="693780" cy="369332"/>
+          </a:xfrm>
+          <a:prstGeom prst="rect">
+            <a:avLst/>
+          </a:prstGeom>
+          <a:noFill/>
+        </p:spPr>
+        <p:txBody>
+          <a:bodyPr wrap="none" rtlCol="0">
+            <a:spAutoFit/>
+          </a:bodyPr>
+          <a:lstStyle/>
+          <a:p>
+            <a:r>
+              <a:rPr lang="fr-FR" i="1" dirty="0" err="1"/>
+              <a:t>grant</a:t>
+            </a:r>
+            <a:endParaRPr lang="fr-FR" i="1" dirty="0"/>
+          </a:p>
+        </p:txBody>
+      </p:sp>
+      <p:sp>
+        <p:nvSpPr>
+          <p:cNvPr id="53" name="ZoneTexte 52">
+            <a:extLst>
+              <a:ext uri="{FF2B5EF4-FFF2-40B4-BE49-F238E27FC236}">
+                <a16:creationId xmlns:a16="http://schemas.microsoft.com/office/drawing/2014/main" id="{B0DCCE09-9D1E-A94B-F726-C760E3A83388}"/>
+              </a:ext>
+            </a:extLst>
+          </p:cNvPr>
+          <p:cNvSpPr txBox="1"/>
+          <p:nvPr/>
+        </p:nvSpPr>
+        <p:spPr>
+          <a:xfrm>
+            <a:off x="9982899" y="5685833"/>
+            <a:ext cx="1935145" cy="646331"/>
+          </a:xfrm>
+          <a:prstGeom prst="rect">
+            <a:avLst/>
+          </a:prstGeom>
+          <a:noFill/>
+        </p:spPr>
+        <p:txBody>
+          <a:bodyPr wrap="none" rtlCol="0">
+            <a:spAutoFit/>
+          </a:bodyPr>
+          <a:lstStyle/>
+          <a:p>
+            <a:pPr>
+              <a:tabLst>
+                <a:tab pos="536575" algn="l"/>
+              </a:tabLst>
+            </a:pPr>
+            <a:r>
+              <a:rPr lang="fr-FR" sz="1200" b="1" dirty="0"/>
+              <a:t>GET	</a:t>
+            </a:r>
+            <a:r>
+              <a:rPr lang="fr-FR" sz="1200" dirty="0" err="1">
+                <a:latin typeface="Courier New" panose="02070309020205020404" pitchFamily="49" charset="0"/>
+                <a:cs typeface="Courier New" panose="02070309020205020404" pitchFamily="49" charset="0"/>
+              </a:rPr>
+              <a:t>openingHourId</a:t>
+            </a:r>
+            <a:br>
+              <a:rPr lang="fr-FR" sz="1200" dirty="0">
+                <a:latin typeface="Courier New" panose="02070309020205020404" pitchFamily="49" charset="0"/>
+                <a:cs typeface="Courier New" panose="02070309020205020404" pitchFamily="49" charset="0"/>
+              </a:rPr>
+            </a:br>
+            <a:r>
+              <a:rPr lang="fr-FR" sz="1200" b="1" dirty="0">
+                <a:solidFill>
+                  <a:schemeClr val="accent2"/>
+                </a:solidFill>
+              </a:rPr>
+              <a:t>PUT	</a:t>
+            </a:r>
+            <a:r>
+              <a:rPr lang="fr-FR" sz="1200" dirty="0" err="1">
+                <a:latin typeface="Courier New" panose="02070309020205020404" pitchFamily="49" charset="0"/>
+                <a:cs typeface="Courier New" panose="02070309020205020404" pitchFamily="49" charset="0"/>
+              </a:rPr>
+              <a:t>openingHourId</a:t>
+            </a:r>
+            <a:br>
+              <a:rPr lang="fr-FR" sz="1200" dirty="0">
+                <a:latin typeface="Courier New" panose="02070309020205020404" pitchFamily="49" charset="0"/>
+                <a:cs typeface="Courier New" panose="02070309020205020404" pitchFamily="49" charset="0"/>
+              </a:rPr>
+            </a:br>
+            <a:r>
+              <a:rPr lang="fr-FR" sz="1200" b="1" dirty="0">
+                <a:solidFill>
+                  <a:srgbClr val="FF0000"/>
+                </a:solidFill>
+              </a:rPr>
+              <a:t>DELETE	</a:t>
+            </a:r>
+            <a:r>
+              <a:rPr lang="fr-FR" sz="1200" dirty="0" err="1">
+                <a:latin typeface="Courier New" panose="02070309020205020404" pitchFamily="49" charset="0"/>
+                <a:cs typeface="Courier New" panose="02070309020205020404" pitchFamily="49" charset="0"/>
+              </a:rPr>
+              <a:t>openingHourId</a:t>
+            </a:r>
+            <a:endParaRPr lang="fr-FR" sz="1200" b="1" dirty="0">
+              <a:solidFill>
+                <a:srgbClr val="FF0000"/>
+              </a:solidFill>
+            </a:endParaRPr>
+          </a:p>
+        </p:txBody>
+      </p:sp>
+      <p:sp>
+        <p:nvSpPr>
+          <p:cNvPr id="56" name="ZoneTexte 55">
+            <a:extLst>
+              <a:ext uri="{FF2B5EF4-FFF2-40B4-BE49-F238E27FC236}">
+                <a16:creationId xmlns:a16="http://schemas.microsoft.com/office/drawing/2014/main" id="{31A758ED-261E-2305-EBE6-37220DADB342}"/>
+              </a:ext>
+            </a:extLst>
+          </p:cNvPr>
+          <p:cNvSpPr txBox="1"/>
+          <p:nvPr/>
+        </p:nvSpPr>
+        <p:spPr>
+          <a:xfrm>
+            <a:off x="6868445" y="6261047"/>
+            <a:ext cx="1749197" cy="646331"/>
+          </a:xfrm>
+          <a:prstGeom prst="rect">
+            <a:avLst/>
+          </a:prstGeom>
+          <a:noFill/>
+        </p:spPr>
+        <p:txBody>
+          <a:bodyPr wrap="none" rtlCol="0">
+            <a:spAutoFit/>
+          </a:bodyPr>
+          <a:lstStyle/>
+          <a:p>
+            <a:pPr>
+              <a:tabLst>
+                <a:tab pos="536575" algn="l"/>
+              </a:tabLst>
+            </a:pPr>
+            <a:r>
+              <a:rPr lang="fr-FR" sz="1200" b="1" dirty="0"/>
+              <a:t>GET	</a:t>
+            </a:r>
+            <a:r>
+              <a:rPr lang="fr-FR" sz="1200" dirty="0" err="1">
+                <a:latin typeface="Courier New" panose="02070309020205020404" pitchFamily="49" charset="0"/>
+                <a:cs typeface="Courier New" panose="02070309020205020404" pitchFamily="49" charset="0"/>
+              </a:rPr>
+              <a:t>bookEntryId</a:t>
+            </a:r>
+            <a:br>
+              <a:rPr lang="fr-FR" sz="1200" dirty="0">
+                <a:latin typeface="Courier New" panose="02070309020205020404" pitchFamily="49" charset="0"/>
+                <a:cs typeface="Courier New" panose="02070309020205020404" pitchFamily="49" charset="0"/>
+              </a:rPr>
+            </a:br>
+            <a:r>
+              <a:rPr lang="fr-FR" sz="1200" b="1" dirty="0">
+                <a:solidFill>
+                  <a:schemeClr val="accent2"/>
+                </a:solidFill>
+              </a:rPr>
+              <a:t>PUT	</a:t>
+            </a:r>
+            <a:r>
+              <a:rPr lang="fr-FR" sz="1200" dirty="0" err="1">
+                <a:latin typeface="Courier New" panose="02070309020205020404" pitchFamily="49" charset="0"/>
+                <a:cs typeface="Courier New" panose="02070309020205020404" pitchFamily="49" charset="0"/>
+              </a:rPr>
+              <a:t>bookEntryId</a:t>
+            </a:r>
+            <a:br>
+              <a:rPr lang="fr-FR" sz="1200" dirty="0">
+                <a:latin typeface="Courier New" panose="02070309020205020404" pitchFamily="49" charset="0"/>
+                <a:cs typeface="Courier New" panose="02070309020205020404" pitchFamily="49" charset="0"/>
+              </a:rPr>
+            </a:br>
+            <a:r>
+              <a:rPr lang="fr-FR" sz="1200" b="1" dirty="0">
+                <a:solidFill>
+                  <a:srgbClr val="FF0000"/>
+                </a:solidFill>
+              </a:rPr>
+              <a:t>DELETE	</a:t>
+            </a:r>
+            <a:r>
+              <a:rPr lang="fr-FR" sz="1200" dirty="0" err="1">
+                <a:latin typeface="Courier New" panose="02070309020205020404" pitchFamily="49" charset="0"/>
+                <a:cs typeface="Courier New" panose="02070309020205020404" pitchFamily="49" charset="0"/>
+              </a:rPr>
+              <a:t>bookEntryId</a:t>
+            </a:r>
+            <a:endParaRPr lang="fr-FR" sz="1200" b="1" dirty="0">
+              <a:solidFill>
+                <a:srgbClr val="FF0000"/>
+              </a:solidFill>
+            </a:endParaRPr>
+          </a:p>
+        </p:txBody>
+      </p:sp>
+      <p:sp>
+        <p:nvSpPr>
+          <p:cNvPr id="57" name="ZoneTexte 56">
+            <a:extLst>
+              <a:ext uri="{FF2B5EF4-FFF2-40B4-BE49-F238E27FC236}">
+                <a16:creationId xmlns:a16="http://schemas.microsoft.com/office/drawing/2014/main" id="{78CB965D-9245-0B8E-4DF6-EC47F05DA317}"/>
+              </a:ext>
+            </a:extLst>
+          </p:cNvPr>
+          <p:cNvSpPr txBox="1"/>
+          <p:nvPr/>
+        </p:nvSpPr>
+        <p:spPr>
+          <a:xfrm>
+            <a:off x="3210776" y="6261047"/>
+            <a:ext cx="1842171" cy="646331"/>
+          </a:xfrm>
+          <a:prstGeom prst="rect">
+            <a:avLst/>
+          </a:prstGeom>
+          <a:noFill/>
+        </p:spPr>
+        <p:txBody>
+          <a:bodyPr wrap="none" rtlCol="0">
+            <a:spAutoFit/>
+          </a:bodyPr>
+          <a:lstStyle/>
+          <a:p>
+            <a:pPr>
+              <a:tabLst>
+                <a:tab pos="536575" algn="l"/>
+              </a:tabLst>
+            </a:pPr>
+            <a:r>
+              <a:rPr lang="fr-FR" sz="1200" b="1" dirty="0"/>
+              <a:t>GET	</a:t>
+            </a:r>
+            <a:r>
+              <a:rPr lang="fr-FR" sz="1200" dirty="0" err="1">
+                <a:latin typeface="Courier New" panose="02070309020205020404" pitchFamily="49" charset="0"/>
+                <a:cs typeface="Courier New" panose="02070309020205020404" pitchFamily="49" charset="0"/>
+              </a:rPr>
+              <a:t>newsletterId</a:t>
+            </a:r>
+            <a:br>
+              <a:rPr lang="fr-FR" sz="1200" dirty="0">
+                <a:latin typeface="Courier New" panose="02070309020205020404" pitchFamily="49" charset="0"/>
+                <a:cs typeface="Courier New" panose="02070309020205020404" pitchFamily="49" charset="0"/>
+              </a:rPr>
+            </a:br>
+            <a:r>
+              <a:rPr lang="fr-FR" sz="1200" b="1" dirty="0">
+                <a:solidFill>
+                  <a:schemeClr val="accent2"/>
+                </a:solidFill>
+              </a:rPr>
+              <a:t>PUT	</a:t>
+            </a:r>
+            <a:r>
+              <a:rPr lang="fr-FR" sz="1200" dirty="0" err="1">
+                <a:latin typeface="Courier New" panose="02070309020205020404" pitchFamily="49" charset="0"/>
+                <a:cs typeface="Courier New" panose="02070309020205020404" pitchFamily="49" charset="0"/>
+              </a:rPr>
+              <a:t>newsletterId</a:t>
+            </a:r>
+            <a:br>
+              <a:rPr lang="fr-FR" sz="1200" dirty="0">
+                <a:latin typeface="Courier New" panose="02070309020205020404" pitchFamily="49" charset="0"/>
+                <a:cs typeface="Courier New" panose="02070309020205020404" pitchFamily="49" charset="0"/>
+              </a:rPr>
+            </a:br>
+            <a:r>
+              <a:rPr lang="fr-FR" sz="1200" b="1" dirty="0">
+                <a:solidFill>
+                  <a:srgbClr val="FF0000"/>
+                </a:solidFill>
+              </a:rPr>
+              <a:t>DELETE	</a:t>
+            </a:r>
+            <a:r>
+              <a:rPr lang="fr-FR" sz="1200" dirty="0" err="1">
+                <a:latin typeface="Courier New" panose="02070309020205020404" pitchFamily="49" charset="0"/>
+                <a:cs typeface="Courier New" panose="02070309020205020404" pitchFamily="49" charset="0"/>
+              </a:rPr>
+              <a:t>newsletterId</a:t>
+            </a:r>
+            <a:endParaRPr lang="fr-FR" sz="1200" b="1" dirty="0">
+              <a:solidFill>
+                <a:srgbClr val="FF0000"/>
+              </a:solidFill>
+            </a:endParaRPr>
+          </a:p>
+        </p:txBody>
+      </p:sp>
+      <p:sp>
+        <p:nvSpPr>
+          <p:cNvPr id="59" name="ZoneTexte 58">
+            <a:extLst>
+              <a:ext uri="{FF2B5EF4-FFF2-40B4-BE49-F238E27FC236}">
+                <a16:creationId xmlns:a16="http://schemas.microsoft.com/office/drawing/2014/main" id="{500E9F37-1C0B-E9DF-B2F3-2CC132307487}"/>
+              </a:ext>
+            </a:extLst>
+          </p:cNvPr>
+          <p:cNvSpPr txBox="1"/>
+          <p:nvPr/>
+        </p:nvSpPr>
+        <p:spPr>
+          <a:xfrm>
+            <a:off x="65931" y="5634886"/>
+            <a:ext cx="1377300" cy="646331"/>
+          </a:xfrm>
+          <a:prstGeom prst="rect">
+            <a:avLst/>
+          </a:prstGeom>
+          <a:noFill/>
+        </p:spPr>
+        <p:txBody>
+          <a:bodyPr wrap="none" rtlCol="0">
+            <a:spAutoFit/>
+          </a:bodyPr>
+          <a:lstStyle/>
+          <a:p>
+            <a:pPr>
+              <a:tabLst>
+                <a:tab pos="536575" algn="l"/>
+              </a:tabLst>
+            </a:pPr>
+            <a:r>
+              <a:rPr lang="fr-FR" sz="1200" b="1" dirty="0"/>
+              <a:t>GET	</a:t>
+            </a:r>
+            <a:r>
+              <a:rPr lang="fr-FR" sz="1200" dirty="0" err="1">
+                <a:latin typeface="Courier New" panose="02070309020205020404" pitchFamily="49" charset="0"/>
+                <a:cs typeface="Courier New" panose="02070309020205020404" pitchFamily="49" charset="0"/>
+              </a:rPr>
+              <a:t>eventId</a:t>
+            </a:r>
+            <a:br>
+              <a:rPr lang="fr-FR" sz="1200" dirty="0">
+                <a:latin typeface="Courier New" panose="02070309020205020404" pitchFamily="49" charset="0"/>
+                <a:cs typeface="Courier New" panose="02070309020205020404" pitchFamily="49" charset="0"/>
+              </a:rPr>
+            </a:br>
+            <a:r>
+              <a:rPr lang="fr-FR" sz="1200" b="1" dirty="0">
+                <a:solidFill>
+                  <a:schemeClr val="accent2"/>
+                </a:solidFill>
+              </a:rPr>
+              <a:t>PUT	</a:t>
+            </a:r>
+            <a:r>
+              <a:rPr lang="fr-FR" sz="1200" dirty="0" err="1">
+                <a:latin typeface="Courier New" panose="02070309020205020404" pitchFamily="49" charset="0"/>
+                <a:cs typeface="Courier New" panose="02070309020205020404" pitchFamily="49" charset="0"/>
+              </a:rPr>
+              <a:t>eventId</a:t>
+            </a:r>
+            <a:br>
+              <a:rPr lang="fr-FR" sz="1200" dirty="0">
+                <a:latin typeface="Courier New" panose="02070309020205020404" pitchFamily="49" charset="0"/>
+                <a:cs typeface="Courier New" panose="02070309020205020404" pitchFamily="49" charset="0"/>
+              </a:rPr>
+            </a:br>
+            <a:r>
+              <a:rPr lang="fr-FR" sz="1200" b="1" dirty="0">
+                <a:solidFill>
+                  <a:srgbClr val="FF0000"/>
+                </a:solidFill>
+              </a:rPr>
+              <a:t>DELETE	</a:t>
+            </a:r>
+            <a:r>
+              <a:rPr lang="fr-FR" sz="1200" dirty="0" err="1">
+                <a:latin typeface="Courier New" panose="02070309020205020404" pitchFamily="49" charset="0"/>
+                <a:cs typeface="Courier New" panose="02070309020205020404" pitchFamily="49" charset="0"/>
+              </a:rPr>
+              <a:t>eventId</a:t>
+            </a:r>
+            <a:endParaRPr lang="fr-FR" sz="1200" b="1" dirty="0">
+              <a:solidFill>
+                <a:srgbClr val="FF0000"/>
+              </a:solidFill>
+            </a:endParaRPr>
+          </a:p>
+        </p:txBody>
+      </p:sp>
+      <p:sp>
+        <p:nvSpPr>
+          <p:cNvPr id="60" name="ZoneTexte 59">
+            <a:extLst>
+              <a:ext uri="{FF2B5EF4-FFF2-40B4-BE49-F238E27FC236}">
+                <a16:creationId xmlns:a16="http://schemas.microsoft.com/office/drawing/2014/main" id="{32FC1326-350B-B6F9-8ACB-6585C6E83A29}"/>
+              </a:ext>
+            </a:extLst>
+          </p:cNvPr>
+          <p:cNvSpPr txBox="1"/>
+          <p:nvPr/>
+        </p:nvSpPr>
+        <p:spPr>
+          <a:xfrm>
+            <a:off x="2922854" y="4928132"/>
+            <a:ext cx="2526974" cy="461665"/>
+          </a:xfrm>
+          <a:prstGeom prst="rect">
+            <a:avLst/>
+          </a:prstGeom>
+          <a:noFill/>
+        </p:spPr>
+        <p:txBody>
+          <a:bodyPr wrap="none" rtlCol="0">
+            <a:spAutoFit/>
+          </a:bodyPr>
+          <a:lstStyle/>
+          <a:p>
+            <a:pPr>
+              <a:tabLst>
+                <a:tab pos="357188" algn="l"/>
+              </a:tabLst>
+            </a:pPr>
+            <a:r>
+              <a:rPr lang="fr-FR" sz="1200" b="1" dirty="0">
+                <a:solidFill>
+                  <a:srgbClr val="7030A0"/>
+                </a:solidFill>
+              </a:rPr>
+              <a:t>POST </a:t>
+            </a:r>
+            <a:r>
+              <a:rPr lang="fr-FR" sz="1200" dirty="0">
+                <a:latin typeface="Courier New" panose="02070309020205020404" pitchFamily="49" charset="0"/>
+                <a:cs typeface="Courier New" panose="02070309020205020404" pitchFamily="49" charset="0"/>
+              </a:rPr>
+              <a:t>SIRET</a:t>
+            </a:r>
+            <a:r>
+              <a:rPr lang="fr-FR" sz="500" dirty="0">
+                <a:latin typeface="Courier New" panose="02070309020205020404" pitchFamily="49" charset="0"/>
+                <a:cs typeface="Courier New" panose="02070309020205020404" pitchFamily="49" charset="0"/>
+              </a:rPr>
+              <a:t> </a:t>
+            </a:r>
+            <a:r>
+              <a:rPr lang="fr-FR" sz="900" dirty="0">
+                <a:latin typeface="Courier New" panose="02070309020205020404" pitchFamily="49" charset="0"/>
+                <a:cs typeface="Courier New" panose="02070309020205020404" pitchFamily="49" charset="0"/>
+                <a:sym typeface="Wingdings" panose="05000000000000000000" pitchFamily="2" charset="2"/>
+              </a:rPr>
+              <a:t></a:t>
+            </a:r>
+            <a:r>
+              <a:rPr lang="fr-FR" sz="800" dirty="0">
+                <a:latin typeface="Courier New" panose="02070309020205020404" pitchFamily="49" charset="0"/>
+                <a:cs typeface="Courier New" panose="02070309020205020404" pitchFamily="49" charset="0"/>
+              </a:rPr>
+              <a:t> </a:t>
+            </a:r>
+            <a:r>
+              <a:rPr lang="fr-FR" sz="1200" dirty="0" err="1">
+                <a:latin typeface="Courier New" panose="02070309020205020404" pitchFamily="49" charset="0"/>
+                <a:cs typeface="Courier New" panose="02070309020205020404" pitchFamily="49" charset="0"/>
+              </a:rPr>
+              <a:t>newsletterId</a:t>
+            </a:r>
+            <a:br>
+              <a:rPr lang="fr-FR" sz="1200" dirty="0">
+                <a:latin typeface="Courier New" panose="02070309020205020404" pitchFamily="49" charset="0"/>
+                <a:cs typeface="Courier New" panose="02070309020205020404" pitchFamily="49" charset="0"/>
+              </a:rPr>
+            </a:br>
+            <a:r>
+              <a:rPr lang="fr-FR" sz="1200" b="1" dirty="0"/>
+              <a:t>GET	</a:t>
+            </a:r>
+            <a:r>
+              <a:rPr lang="fr-FR" sz="1200" dirty="0">
+                <a:latin typeface="Courier New" panose="02070309020205020404" pitchFamily="49" charset="0"/>
+                <a:cs typeface="Courier New" panose="02070309020205020404" pitchFamily="49" charset="0"/>
+              </a:rPr>
+              <a:t>SIRET</a:t>
+            </a:r>
+            <a:r>
+              <a:rPr lang="fr-FR" sz="900" dirty="0">
+                <a:latin typeface="Courier New" panose="02070309020205020404" pitchFamily="49" charset="0"/>
+                <a:cs typeface="Courier New" panose="02070309020205020404" pitchFamily="49" charset="0"/>
+              </a:rPr>
+              <a:t> </a:t>
+            </a:r>
+            <a:r>
+              <a:rPr lang="fr-FR" sz="900" dirty="0">
+                <a:latin typeface="Courier New" panose="02070309020205020404" pitchFamily="49" charset="0"/>
+                <a:cs typeface="Courier New" panose="02070309020205020404" pitchFamily="49" charset="0"/>
+                <a:sym typeface="Wingdings" panose="05000000000000000000" pitchFamily="2" charset="2"/>
+              </a:rPr>
+              <a:t>:</a:t>
+            </a:r>
+            <a:r>
+              <a:rPr lang="fr-FR" sz="900" dirty="0">
+                <a:latin typeface="Courier New" panose="02070309020205020404" pitchFamily="49" charset="0"/>
+                <a:cs typeface="Courier New" panose="02070309020205020404" pitchFamily="49" charset="0"/>
+              </a:rPr>
+              <a:t> </a:t>
+            </a:r>
+            <a:r>
+              <a:rPr lang="fr-FR" sz="900" i="1" dirty="0">
+                <a:latin typeface="Courier New" panose="02070309020205020404" pitchFamily="49" charset="0"/>
+                <a:cs typeface="Courier New" panose="02070309020205020404" pitchFamily="49" charset="0"/>
+              </a:rPr>
+              <a:t>List of Newsletters</a:t>
+            </a:r>
+            <a:endParaRPr lang="fr-FR" sz="900" dirty="0">
+              <a:latin typeface="Courier New" panose="02070309020205020404" pitchFamily="49" charset="0"/>
+              <a:cs typeface="Courier New" panose="02070309020205020404" pitchFamily="49" charset="0"/>
+            </a:endParaRPr>
+          </a:p>
+        </p:txBody>
+      </p:sp>
+      <p:sp>
+        <p:nvSpPr>
+          <p:cNvPr id="62" name="ZoneTexte 61">
+            <a:extLst>
+              <a:ext uri="{FF2B5EF4-FFF2-40B4-BE49-F238E27FC236}">
+                <a16:creationId xmlns:a16="http://schemas.microsoft.com/office/drawing/2014/main" id="{83F7E114-37CD-6543-9053-F9E8D69111DF}"/>
+              </a:ext>
+            </a:extLst>
+          </p:cNvPr>
+          <p:cNvSpPr txBox="1"/>
+          <p:nvPr/>
+        </p:nvSpPr>
+        <p:spPr>
+          <a:xfrm>
+            <a:off x="298432" y="4013561"/>
+            <a:ext cx="2234907" cy="461665"/>
+          </a:xfrm>
+          <a:prstGeom prst="rect">
+            <a:avLst/>
+          </a:prstGeom>
+          <a:noFill/>
+        </p:spPr>
+        <p:txBody>
+          <a:bodyPr wrap="none" rtlCol="0">
+            <a:spAutoFit/>
+          </a:bodyPr>
+          <a:lstStyle/>
+          <a:p>
+            <a:pPr>
+              <a:tabLst>
+                <a:tab pos="447675" algn="l"/>
+              </a:tabLst>
+            </a:pPr>
+            <a:r>
+              <a:rPr lang="fr-FR" sz="1200" b="1" dirty="0">
+                <a:solidFill>
+                  <a:srgbClr val="7030A0"/>
+                </a:solidFill>
+              </a:rPr>
+              <a:t>POST	</a:t>
+            </a:r>
+            <a:r>
+              <a:rPr lang="fr-FR" sz="1200" dirty="0">
+                <a:latin typeface="Courier New" panose="02070309020205020404" pitchFamily="49" charset="0"/>
+                <a:cs typeface="Courier New" panose="02070309020205020404" pitchFamily="49" charset="0"/>
+              </a:rPr>
+              <a:t>SIRET</a:t>
+            </a:r>
+            <a:r>
+              <a:rPr lang="fr-FR" sz="500" dirty="0">
+                <a:latin typeface="Courier New" panose="02070309020205020404" pitchFamily="49" charset="0"/>
+                <a:cs typeface="Courier New" panose="02070309020205020404" pitchFamily="49" charset="0"/>
+              </a:rPr>
+              <a:t> </a:t>
+            </a:r>
+            <a:r>
+              <a:rPr lang="fr-FR" sz="900" dirty="0">
+                <a:latin typeface="Courier New" panose="02070309020205020404" pitchFamily="49" charset="0"/>
+                <a:cs typeface="Courier New" panose="02070309020205020404" pitchFamily="49" charset="0"/>
+                <a:sym typeface="Wingdings" panose="05000000000000000000" pitchFamily="2" charset="2"/>
+              </a:rPr>
+              <a:t></a:t>
+            </a:r>
+            <a:r>
+              <a:rPr lang="fr-FR" sz="800" dirty="0">
+                <a:latin typeface="Courier New" panose="02070309020205020404" pitchFamily="49" charset="0"/>
+                <a:cs typeface="Courier New" panose="02070309020205020404" pitchFamily="49" charset="0"/>
+              </a:rPr>
+              <a:t> </a:t>
+            </a:r>
+            <a:r>
+              <a:rPr lang="fr-FR" sz="1200" dirty="0" err="1">
+                <a:latin typeface="Courier New" panose="02070309020205020404" pitchFamily="49" charset="0"/>
+                <a:cs typeface="Courier New" panose="02070309020205020404" pitchFamily="49" charset="0"/>
+              </a:rPr>
+              <a:t>eventId</a:t>
+            </a:r>
+            <a:br>
+              <a:rPr lang="fr-FR" sz="1200" dirty="0">
+                <a:latin typeface="Courier New" panose="02070309020205020404" pitchFamily="49" charset="0"/>
+                <a:cs typeface="Courier New" panose="02070309020205020404" pitchFamily="49" charset="0"/>
+              </a:rPr>
+            </a:br>
+            <a:r>
+              <a:rPr lang="fr-FR" sz="1200" b="1" dirty="0"/>
+              <a:t>GET	</a:t>
+            </a:r>
+            <a:r>
+              <a:rPr lang="fr-FR" sz="1200" dirty="0">
+                <a:latin typeface="Courier New" panose="02070309020205020404" pitchFamily="49" charset="0"/>
+                <a:cs typeface="Courier New" panose="02070309020205020404" pitchFamily="49" charset="0"/>
+              </a:rPr>
+              <a:t>SIRET</a:t>
+            </a:r>
+            <a:r>
+              <a:rPr lang="fr-FR" sz="500" dirty="0">
+                <a:latin typeface="Courier New" panose="02070309020205020404" pitchFamily="49" charset="0"/>
+                <a:cs typeface="Courier New" panose="02070309020205020404" pitchFamily="49" charset="0"/>
+              </a:rPr>
+              <a:t> </a:t>
+            </a:r>
+            <a:r>
+              <a:rPr lang="fr-FR" sz="900" dirty="0">
+                <a:latin typeface="Courier New" panose="02070309020205020404" pitchFamily="49" charset="0"/>
+                <a:cs typeface="Courier New" panose="02070309020205020404" pitchFamily="49" charset="0"/>
+                <a:sym typeface="Wingdings" panose="05000000000000000000" pitchFamily="2" charset="2"/>
+              </a:rPr>
+              <a:t>:</a:t>
+            </a:r>
+            <a:r>
+              <a:rPr lang="fr-FR" sz="800" dirty="0">
+                <a:latin typeface="Courier New" panose="02070309020205020404" pitchFamily="49" charset="0"/>
+                <a:cs typeface="Courier New" panose="02070309020205020404" pitchFamily="49" charset="0"/>
+              </a:rPr>
+              <a:t> </a:t>
+            </a:r>
+            <a:r>
+              <a:rPr lang="fr-FR" sz="900" i="1" dirty="0">
+                <a:latin typeface="Courier New" panose="02070309020205020404" pitchFamily="49" charset="0"/>
+                <a:cs typeface="Courier New" panose="02070309020205020404" pitchFamily="49" charset="0"/>
+              </a:rPr>
+              <a:t>List of Events</a:t>
+            </a:r>
+            <a:endParaRPr lang="fr-FR" sz="1200" i="1" dirty="0">
+              <a:latin typeface="Courier New" panose="02070309020205020404" pitchFamily="49" charset="0"/>
+              <a:cs typeface="Courier New" panose="02070309020205020404" pitchFamily="49" charset="0"/>
+            </a:endParaRPr>
+          </a:p>
+        </p:txBody>
+      </p:sp>
+      <p:sp>
+        <p:nvSpPr>
+          <p:cNvPr id="64" name="ZoneTexte 63">
+            <a:extLst>
+              <a:ext uri="{FF2B5EF4-FFF2-40B4-BE49-F238E27FC236}">
+                <a16:creationId xmlns:a16="http://schemas.microsoft.com/office/drawing/2014/main" id="{4E21D723-8F9E-4E55-16E9-87203AD279F5}"/>
+              </a:ext>
+            </a:extLst>
+          </p:cNvPr>
+          <p:cNvSpPr txBox="1"/>
+          <p:nvPr/>
+        </p:nvSpPr>
+        <p:spPr>
+          <a:xfrm>
+            <a:off x="5935998" y="91380"/>
+            <a:ext cx="1375056" cy="369332"/>
+          </a:xfrm>
+          <a:prstGeom prst="rect">
+            <a:avLst/>
+          </a:prstGeom>
+          <a:noFill/>
+        </p:spPr>
+        <p:txBody>
+          <a:bodyPr wrap="none" rtlCol="0">
+            <a:spAutoFit/>
+          </a:bodyPr>
+          <a:lstStyle/>
+          <a:p>
+            <a:r>
+              <a:rPr lang="fr-FR" i="1" dirty="0" err="1"/>
+              <a:t>authenticate</a:t>
+            </a:r>
+            <a:endParaRPr lang="fr-FR" i="1" dirty="0"/>
+          </a:p>
+        </p:txBody>
+      </p:sp>
+      <p:sp>
+        <p:nvSpPr>
+          <p:cNvPr id="65" name="ZoneTexte 64">
+            <a:extLst>
+              <a:ext uri="{FF2B5EF4-FFF2-40B4-BE49-F238E27FC236}">
+                <a16:creationId xmlns:a16="http://schemas.microsoft.com/office/drawing/2014/main" id="{22DBB31E-55A8-726D-A46D-97A455AADC11}"/>
+              </a:ext>
+            </a:extLst>
+          </p:cNvPr>
+          <p:cNvSpPr txBox="1"/>
+          <p:nvPr/>
+        </p:nvSpPr>
+        <p:spPr>
+          <a:xfrm>
+            <a:off x="5943618" y="322212"/>
+            <a:ext cx="1007135" cy="276999"/>
+          </a:xfrm>
+          <a:prstGeom prst="rect">
+            <a:avLst/>
+          </a:prstGeom>
+          <a:noFill/>
+        </p:spPr>
+        <p:txBody>
+          <a:bodyPr wrap="none" rtlCol="0">
+            <a:spAutoFit/>
+          </a:bodyPr>
+          <a:lstStyle/>
+          <a:p>
+            <a:r>
+              <a:rPr lang="fr-FR" sz="1200" b="1" dirty="0">
+                <a:solidFill>
+                  <a:srgbClr val="7030A0"/>
+                </a:solidFill>
+              </a:rPr>
+              <a:t>POST </a:t>
+            </a:r>
+            <a:r>
+              <a:rPr lang="fr-FR" sz="900" dirty="0">
+                <a:latin typeface="Courier New" panose="02070309020205020404" pitchFamily="49" charset="0"/>
+                <a:cs typeface="Courier New" panose="02070309020205020404" pitchFamily="49" charset="0"/>
+                <a:sym typeface="Wingdings" panose="05000000000000000000" pitchFamily="2" charset="2"/>
+              </a:rPr>
+              <a:t></a:t>
+            </a:r>
+            <a:r>
+              <a:rPr lang="fr-FR" sz="800" dirty="0">
+                <a:latin typeface="Courier New" panose="02070309020205020404" pitchFamily="49" charset="0"/>
+                <a:cs typeface="Courier New" panose="02070309020205020404" pitchFamily="49" charset="0"/>
+              </a:rPr>
+              <a:t> </a:t>
+            </a:r>
+            <a:r>
+              <a:rPr lang="fr-FR" sz="1200" dirty="0">
+                <a:latin typeface="Courier New" panose="02070309020205020404" pitchFamily="49" charset="0"/>
+                <a:cs typeface="Courier New" panose="02070309020205020404" pitchFamily="49" charset="0"/>
+              </a:rPr>
+              <a:t>JWT</a:t>
+            </a:r>
+          </a:p>
+        </p:txBody>
+      </p:sp>
+      <p:sp>
+        <p:nvSpPr>
+          <p:cNvPr id="66" name="ZoneTexte 65">
+            <a:extLst>
+              <a:ext uri="{FF2B5EF4-FFF2-40B4-BE49-F238E27FC236}">
+                <a16:creationId xmlns:a16="http://schemas.microsoft.com/office/drawing/2014/main" id="{0979FF0A-ADD0-2AA7-F38E-F504D0DB12ED}"/>
+              </a:ext>
+            </a:extLst>
+          </p:cNvPr>
+          <p:cNvSpPr txBox="1"/>
+          <p:nvPr/>
+        </p:nvSpPr>
+        <p:spPr>
+          <a:xfrm>
+            <a:off x="7336901" y="3057945"/>
+            <a:ext cx="2316981" cy="1015663"/>
+          </a:xfrm>
+          <a:prstGeom prst="rect">
+            <a:avLst/>
+          </a:prstGeom>
+          <a:noFill/>
+        </p:spPr>
+        <p:txBody>
+          <a:bodyPr wrap="none" rtlCol="0">
+            <a:spAutoFit/>
+          </a:bodyPr>
+          <a:lstStyle/>
+          <a:p>
+            <a:pPr>
+              <a:tabLst>
+                <a:tab pos="541338" algn="l"/>
+              </a:tabLst>
+            </a:pPr>
+            <a:r>
+              <a:rPr lang="fr-FR" sz="1200" b="1" dirty="0"/>
+              <a:t>GET	</a:t>
+            </a:r>
+            <a:r>
+              <a:rPr lang="fr-FR" sz="900" dirty="0">
+                <a:latin typeface="Courier New" panose="02070309020205020404" pitchFamily="49" charset="0"/>
+                <a:cs typeface="Courier New" panose="02070309020205020404" pitchFamily="49" charset="0"/>
+                <a:sym typeface="Wingdings" panose="05000000000000000000" pitchFamily="2" charset="2"/>
+              </a:rPr>
+              <a:t>:</a:t>
+            </a:r>
+            <a:r>
+              <a:rPr lang="fr-FR" sz="900" dirty="0">
+                <a:latin typeface="Courier New" panose="02070309020205020404" pitchFamily="49" charset="0"/>
+                <a:cs typeface="Courier New" panose="02070309020205020404" pitchFamily="49" charset="0"/>
+              </a:rPr>
+              <a:t> </a:t>
+            </a:r>
+            <a:r>
+              <a:rPr lang="fr-FR" sz="900" i="1" dirty="0">
+                <a:latin typeface="Courier New" panose="02070309020205020404" pitchFamily="49" charset="0"/>
+                <a:cs typeface="Courier New" panose="02070309020205020404" pitchFamily="49" charset="0"/>
+              </a:rPr>
+              <a:t>List of Organisations</a:t>
+            </a:r>
+            <a:br>
+              <a:rPr lang="fr-FR" sz="1200" b="1" dirty="0">
+                <a:solidFill>
+                  <a:srgbClr val="7030A0"/>
+                </a:solidFill>
+              </a:rPr>
+            </a:br>
+            <a:r>
+              <a:rPr lang="fr-FR" sz="1200" b="1" dirty="0">
+                <a:solidFill>
+                  <a:srgbClr val="7030A0"/>
+                </a:solidFill>
+              </a:rPr>
+              <a:t>POST	</a:t>
+            </a:r>
+            <a:r>
+              <a:rPr lang="fr-FR" sz="900" dirty="0">
+                <a:latin typeface="Courier New" panose="02070309020205020404" pitchFamily="49" charset="0"/>
+                <a:cs typeface="Courier New" panose="02070309020205020404" pitchFamily="49" charset="0"/>
+                <a:sym typeface="Wingdings" panose="05000000000000000000" pitchFamily="2" charset="2"/>
+              </a:rPr>
+              <a:t> </a:t>
+            </a:r>
+            <a:r>
+              <a:rPr lang="fr-FR" sz="1200" dirty="0">
+                <a:latin typeface="Courier New" panose="02070309020205020404" pitchFamily="49" charset="0"/>
+                <a:cs typeface="Courier New" panose="02070309020205020404" pitchFamily="49" charset="0"/>
+              </a:rPr>
+              <a:t>SIRET</a:t>
+            </a:r>
+            <a:br>
+              <a:rPr lang="fr-FR" sz="1200" dirty="0">
+                <a:latin typeface="Courier New" panose="02070309020205020404" pitchFamily="49" charset="0"/>
+                <a:cs typeface="Courier New" panose="02070309020205020404" pitchFamily="49" charset="0"/>
+              </a:rPr>
+            </a:br>
+            <a:r>
+              <a:rPr lang="fr-FR" sz="1200" b="1" dirty="0"/>
+              <a:t>GET	</a:t>
+            </a:r>
+            <a:r>
+              <a:rPr lang="fr-FR" sz="1200" dirty="0">
+                <a:latin typeface="Courier New" panose="02070309020205020404" pitchFamily="49" charset="0"/>
+                <a:cs typeface="Courier New" panose="02070309020205020404" pitchFamily="49" charset="0"/>
+              </a:rPr>
+              <a:t>SIRET</a:t>
+            </a:r>
+            <a:br>
+              <a:rPr lang="fr-FR" sz="1200" dirty="0">
+                <a:latin typeface="Courier New" panose="02070309020205020404" pitchFamily="49" charset="0"/>
+                <a:cs typeface="Courier New" panose="02070309020205020404" pitchFamily="49" charset="0"/>
+              </a:rPr>
+            </a:br>
+            <a:r>
+              <a:rPr lang="fr-FR" sz="1200" b="1" dirty="0">
+                <a:solidFill>
+                  <a:schemeClr val="accent2"/>
+                </a:solidFill>
+              </a:rPr>
+              <a:t>PUT	</a:t>
+            </a:r>
+            <a:r>
+              <a:rPr lang="fr-FR" sz="1200" dirty="0">
+                <a:latin typeface="Courier New" panose="02070309020205020404" pitchFamily="49" charset="0"/>
+                <a:cs typeface="Courier New" panose="02070309020205020404" pitchFamily="49" charset="0"/>
+              </a:rPr>
+              <a:t>SIRET</a:t>
+            </a:r>
+            <a:br>
+              <a:rPr lang="fr-FR" sz="1200" dirty="0">
+                <a:latin typeface="Courier New" panose="02070309020205020404" pitchFamily="49" charset="0"/>
+                <a:cs typeface="Courier New" panose="02070309020205020404" pitchFamily="49" charset="0"/>
+              </a:rPr>
+            </a:br>
+            <a:r>
+              <a:rPr lang="fr-FR" sz="1200" b="1" dirty="0">
+                <a:solidFill>
+                  <a:srgbClr val="FF0000"/>
+                </a:solidFill>
+              </a:rPr>
+              <a:t>DELETE	</a:t>
+            </a:r>
+            <a:r>
+              <a:rPr lang="fr-FR" sz="1200" dirty="0">
+                <a:latin typeface="Courier New" panose="02070309020205020404" pitchFamily="49" charset="0"/>
+                <a:cs typeface="Courier New" panose="02070309020205020404" pitchFamily="49" charset="0"/>
+              </a:rPr>
+              <a:t>SIRET</a:t>
+            </a:r>
+          </a:p>
+        </p:txBody>
+      </p:sp>
+      <p:sp>
+        <p:nvSpPr>
+          <p:cNvPr id="67" name="ZoneTexte 66">
+            <a:extLst>
+              <a:ext uri="{FF2B5EF4-FFF2-40B4-BE49-F238E27FC236}">
+                <a16:creationId xmlns:a16="http://schemas.microsoft.com/office/drawing/2014/main" id="{5FB783C3-FF50-7F3D-4F7E-7C7C1FBA4691}"/>
+              </a:ext>
+            </a:extLst>
+          </p:cNvPr>
+          <p:cNvSpPr txBox="1"/>
+          <p:nvPr/>
+        </p:nvSpPr>
+        <p:spPr>
+          <a:xfrm>
+            <a:off x="7336901" y="2811875"/>
+            <a:ext cx="952505" cy="369332"/>
+          </a:xfrm>
+          <a:prstGeom prst="rect">
+            <a:avLst/>
+          </a:prstGeom>
+          <a:noFill/>
+        </p:spPr>
+        <p:txBody>
+          <a:bodyPr wrap="none" rtlCol="0">
+            <a:spAutoFit/>
+          </a:bodyPr>
+          <a:lstStyle/>
+          <a:p>
+            <a:r>
+              <a:rPr lang="fr-FR" i="1" dirty="0"/>
+              <a:t>manage</a:t>
+            </a:r>
+          </a:p>
+        </p:txBody>
+      </p:sp>
+      <p:cxnSp>
+        <p:nvCxnSpPr>
+          <p:cNvPr id="68" name="Connecteur droit avec flèche 67">
+            <a:extLst>
+              <a:ext uri="{FF2B5EF4-FFF2-40B4-BE49-F238E27FC236}">
+                <a16:creationId xmlns:a16="http://schemas.microsoft.com/office/drawing/2014/main" id="{08BB09F2-6028-DAF9-6158-2AC288DF3733}"/>
+              </a:ext>
+            </a:extLst>
+          </p:cNvPr>
+          <p:cNvCxnSpPr>
+            <a:cxnSpLocks/>
+            <a:stCxn id="4" idx="3"/>
+            <a:endCxn id="67" idx="1"/>
+          </p:cNvCxnSpPr>
+          <p:nvPr/>
+        </p:nvCxnSpPr>
+        <p:spPr>
+          <a:xfrm flipV="1">
+            <a:off x="6868445" y="2996541"/>
+            <a:ext cx="468456" cy="1"/>
+          </a:xfrm>
+          <a:prstGeom prst="straightConnector1">
+            <a:avLst/>
+          </a:prstGeom>
+          <a:ln>
+            <a:tailEnd type="oval"/>
+          </a:ln>
+        </p:spPr>
+        <p:style>
+          <a:lnRef idx="1">
+            <a:schemeClr val="accent1"/>
+          </a:lnRef>
+          <a:fillRef idx="0">
+            <a:schemeClr val="accent1"/>
+          </a:fillRef>
+          <a:effectRef idx="0">
+            <a:schemeClr val="accent1"/>
+          </a:effectRef>
+          <a:fontRef idx="minor">
+            <a:schemeClr val="tx1"/>
+          </a:fontRef>
+        </p:style>
+      </p:cxnSp>
+      <p:cxnSp>
+        <p:nvCxnSpPr>
+          <p:cNvPr id="72" name="Connecteur droit avec flèche 71">
+            <a:extLst>
+              <a:ext uri="{FF2B5EF4-FFF2-40B4-BE49-F238E27FC236}">
+                <a16:creationId xmlns:a16="http://schemas.microsoft.com/office/drawing/2014/main" id="{FC9E40A4-D04A-F5C8-1606-9DC32F71205E}"/>
+              </a:ext>
+            </a:extLst>
+          </p:cNvPr>
+          <p:cNvCxnSpPr>
+            <a:cxnSpLocks/>
+            <a:stCxn id="10" idx="0"/>
+            <a:endCxn id="64" idx="1"/>
+          </p:cNvCxnSpPr>
+          <p:nvPr/>
+        </p:nvCxnSpPr>
+        <p:spPr>
+          <a:xfrm flipH="1" flipV="1">
+            <a:off x="5935998" y="276046"/>
+            <a:ext cx="1269" cy="438866"/>
+          </a:xfrm>
+          <a:prstGeom prst="straightConnector1">
+            <a:avLst/>
+          </a:prstGeom>
+          <a:ln>
+            <a:tailEnd type="oval"/>
+          </a:ln>
+        </p:spPr>
+        <p:style>
+          <a:lnRef idx="1">
+            <a:schemeClr val="accent1"/>
+          </a:lnRef>
+          <a:fillRef idx="0">
+            <a:schemeClr val="accent1"/>
+          </a:fillRef>
+          <a:effectRef idx="0">
+            <a:schemeClr val="accent1"/>
+          </a:effectRef>
+          <a:fontRef idx="minor">
+            <a:schemeClr val="tx1"/>
+          </a:fontRef>
+        </p:style>
+      </p:cxnSp>
+      <p:sp>
+        <p:nvSpPr>
+          <p:cNvPr id="76" name="ZoneTexte 75">
+            <a:extLst>
+              <a:ext uri="{FF2B5EF4-FFF2-40B4-BE49-F238E27FC236}">
+                <a16:creationId xmlns:a16="http://schemas.microsoft.com/office/drawing/2014/main" id="{A82346D4-32E4-814E-BCF0-656E97C2DF92}"/>
+              </a:ext>
+            </a:extLst>
+          </p:cNvPr>
+          <p:cNvSpPr txBox="1"/>
+          <p:nvPr/>
+        </p:nvSpPr>
+        <p:spPr>
+          <a:xfrm>
+            <a:off x="7336901" y="976790"/>
+            <a:ext cx="1467068" cy="830997"/>
+          </a:xfrm>
+          <a:prstGeom prst="rect">
+            <a:avLst/>
+          </a:prstGeom>
+          <a:noFill/>
+        </p:spPr>
+        <p:txBody>
+          <a:bodyPr wrap="none" rtlCol="0">
+            <a:spAutoFit/>
+          </a:bodyPr>
+          <a:lstStyle/>
+          <a:p>
+            <a:pPr>
+              <a:tabLst>
+                <a:tab pos="536575" algn="l"/>
+              </a:tabLst>
+            </a:pPr>
+            <a:r>
+              <a:rPr lang="fr-FR" sz="1200" b="1" dirty="0">
+                <a:solidFill>
+                  <a:srgbClr val="7030A0"/>
+                </a:solidFill>
+              </a:rPr>
+              <a:t>POST	</a:t>
+            </a:r>
+            <a:r>
+              <a:rPr lang="fr-FR" sz="900" dirty="0">
+                <a:latin typeface="Courier New" panose="02070309020205020404" pitchFamily="49" charset="0"/>
+                <a:cs typeface="Courier New" panose="02070309020205020404" pitchFamily="49" charset="0"/>
+                <a:sym typeface="Wingdings" panose="05000000000000000000" pitchFamily="2" charset="2"/>
+              </a:rPr>
+              <a:t> </a:t>
+            </a:r>
+            <a:r>
+              <a:rPr lang="fr-FR" sz="1200" dirty="0">
+                <a:latin typeface="Courier New" panose="02070309020205020404" pitchFamily="49" charset="0"/>
+                <a:cs typeface="Courier New" panose="02070309020205020404" pitchFamily="49" charset="0"/>
+              </a:rPr>
+              <a:t>pseudo</a:t>
+            </a:r>
+            <a:br>
+              <a:rPr lang="fr-FR" sz="1200" dirty="0">
+                <a:latin typeface="Courier New" panose="02070309020205020404" pitchFamily="49" charset="0"/>
+                <a:cs typeface="Courier New" panose="02070309020205020404" pitchFamily="49" charset="0"/>
+              </a:rPr>
+            </a:br>
+            <a:r>
+              <a:rPr lang="fr-FR" sz="1200" b="1" dirty="0">
+                <a:solidFill>
+                  <a:schemeClr val="accent2"/>
+                </a:solidFill>
+              </a:rPr>
+              <a:t>PUT	</a:t>
+            </a:r>
+            <a:r>
+              <a:rPr lang="fr-FR" sz="1200" dirty="0">
+                <a:latin typeface="Courier New" panose="02070309020205020404" pitchFamily="49" charset="0"/>
+                <a:cs typeface="Courier New" panose="02070309020205020404" pitchFamily="49" charset="0"/>
+              </a:rPr>
+              <a:t>pseudo</a:t>
+            </a:r>
+          </a:p>
+          <a:p>
+            <a:pPr>
+              <a:tabLst>
+                <a:tab pos="536575" algn="l"/>
+              </a:tabLst>
+            </a:pPr>
+            <a:r>
+              <a:rPr lang="fr-FR" sz="1200" b="1" dirty="0">
+                <a:solidFill>
+                  <a:srgbClr val="FFC000"/>
+                </a:solidFill>
+              </a:rPr>
+              <a:t>PATCH</a:t>
+            </a:r>
+            <a:r>
+              <a:rPr lang="fr-FR" sz="1200" b="1" dirty="0">
+                <a:solidFill>
+                  <a:srgbClr val="FFC000"/>
+                </a:solidFill>
+                <a:latin typeface="Courier New" panose="02070309020205020404" pitchFamily="49" charset="0"/>
+                <a:cs typeface="Courier New" panose="02070309020205020404" pitchFamily="49" charset="0"/>
+              </a:rPr>
+              <a:t>	</a:t>
+            </a:r>
+            <a:r>
+              <a:rPr lang="fr-FR" sz="1200" dirty="0">
+                <a:latin typeface="Courier New" panose="02070309020205020404" pitchFamily="49" charset="0"/>
+                <a:cs typeface="Courier New" panose="02070309020205020404" pitchFamily="49" charset="0"/>
+              </a:rPr>
+              <a:t>pseudo</a:t>
+            </a:r>
+            <a:br>
+              <a:rPr lang="fr-FR" sz="1200" dirty="0">
+                <a:latin typeface="Courier New" panose="02070309020205020404" pitchFamily="49" charset="0"/>
+                <a:cs typeface="Courier New" panose="02070309020205020404" pitchFamily="49" charset="0"/>
+              </a:rPr>
+            </a:br>
+            <a:r>
+              <a:rPr lang="fr-FR" sz="1200" b="1" dirty="0">
+                <a:solidFill>
+                  <a:srgbClr val="FF0000"/>
+                </a:solidFill>
+              </a:rPr>
+              <a:t>DELETE	</a:t>
+            </a:r>
+            <a:r>
+              <a:rPr lang="fr-FR" sz="1200" dirty="0">
+                <a:latin typeface="Courier New" panose="02070309020205020404" pitchFamily="49" charset="0"/>
+                <a:cs typeface="Courier New" panose="02070309020205020404" pitchFamily="49" charset="0"/>
+              </a:rPr>
+              <a:t>pseudo</a:t>
+            </a:r>
+          </a:p>
+        </p:txBody>
+      </p:sp>
+      <p:sp>
+        <p:nvSpPr>
+          <p:cNvPr id="77" name="ZoneTexte 76">
+            <a:extLst>
+              <a:ext uri="{FF2B5EF4-FFF2-40B4-BE49-F238E27FC236}">
+                <a16:creationId xmlns:a16="http://schemas.microsoft.com/office/drawing/2014/main" id="{6CD01344-8CC2-F2C2-C753-2754B47879A0}"/>
+              </a:ext>
+            </a:extLst>
+          </p:cNvPr>
+          <p:cNvSpPr txBox="1"/>
+          <p:nvPr/>
+        </p:nvSpPr>
+        <p:spPr>
+          <a:xfrm>
+            <a:off x="7336901" y="730720"/>
+            <a:ext cx="952505" cy="369332"/>
+          </a:xfrm>
+          <a:prstGeom prst="rect">
+            <a:avLst/>
+          </a:prstGeom>
+          <a:noFill/>
+        </p:spPr>
+        <p:txBody>
+          <a:bodyPr wrap="none" rtlCol="0">
+            <a:spAutoFit/>
+          </a:bodyPr>
+          <a:lstStyle/>
+          <a:p>
+            <a:r>
+              <a:rPr lang="fr-FR" i="1" dirty="0"/>
+              <a:t>manage</a:t>
+            </a:r>
+          </a:p>
+        </p:txBody>
+      </p:sp>
+      <p:cxnSp>
+        <p:nvCxnSpPr>
+          <p:cNvPr id="78" name="Connecteur droit avec flèche 77">
+            <a:extLst>
+              <a:ext uri="{FF2B5EF4-FFF2-40B4-BE49-F238E27FC236}">
+                <a16:creationId xmlns:a16="http://schemas.microsoft.com/office/drawing/2014/main" id="{EAF26D39-AAA9-36F8-D4A9-107F0444EDAF}"/>
+              </a:ext>
+            </a:extLst>
+          </p:cNvPr>
+          <p:cNvCxnSpPr>
+            <a:cxnSpLocks/>
+            <a:stCxn id="10" idx="3"/>
+            <a:endCxn id="77" idx="1"/>
+          </p:cNvCxnSpPr>
+          <p:nvPr/>
+        </p:nvCxnSpPr>
+        <p:spPr>
+          <a:xfrm flipV="1">
+            <a:off x="6868445" y="915386"/>
+            <a:ext cx="468456" cy="862"/>
+          </a:xfrm>
+          <a:prstGeom prst="straightConnector1">
+            <a:avLst/>
+          </a:prstGeom>
+          <a:ln>
+            <a:tailEnd type="oval"/>
+          </a:ln>
+        </p:spPr>
+        <p:style>
+          <a:lnRef idx="1">
+            <a:schemeClr val="accent1"/>
+          </a:lnRef>
+          <a:fillRef idx="0">
+            <a:schemeClr val="accent1"/>
+          </a:fillRef>
+          <a:effectRef idx="0">
+            <a:schemeClr val="accent1"/>
+          </a:effectRef>
+          <a:fontRef idx="minor">
+            <a:schemeClr val="tx1"/>
+          </a:fontRef>
+        </p:style>
+      </p:cxnSp>
+      <p:sp>
+        <p:nvSpPr>
+          <p:cNvPr id="80" name="ZoneTexte 79">
+            <a:extLst>
+              <a:ext uri="{FF2B5EF4-FFF2-40B4-BE49-F238E27FC236}">
+                <a16:creationId xmlns:a16="http://schemas.microsoft.com/office/drawing/2014/main" id="{F0D9BB9E-3024-5770-7B85-2E7CF641E5E7}"/>
+              </a:ext>
+            </a:extLst>
+          </p:cNvPr>
+          <p:cNvSpPr txBox="1"/>
+          <p:nvPr/>
+        </p:nvSpPr>
+        <p:spPr>
+          <a:xfrm>
+            <a:off x="6462617" y="4928132"/>
+            <a:ext cx="2526974" cy="461665"/>
+          </a:xfrm>
+          <a:prstGeom prst="rect">
+            <a:avLst/>
+          </a:prstGeom>
+          <a:noFill/>
+        </p:spPr>
+        <p:txBody>
+          <a:bodyPr wrap="none" rtlCol="0">
+            <a:spAutoFit/>
+          </a:bodyPr>
+          <a:lstStyle/>
+          <a:p>
+            <a:pPr>
+              <a:tabLst>
+                <a:tab pos="357188" algn="l"/>
+              </a:tabLst>
+            </a:pPr>
+            <a:r>
+              <a:rPr lang="fr-FR" sz="1200" b="1" dirty="0">
+                <a:solidFill>
+                  <a:srgbClr val="7030A0"/>
+                </a:solidFill>
+              </a:rPr>
+              <a:t>POST </a:t>
+            </a:r>
+            <a:r>
+              <a:rPr lang="fr-FR" sz="1200" dirty="0">
+                <a:latin typeface="Courier New" panose="02070309020205020404" pitchFamily="49" charset="0"/>
+                <a:cs typeface="Courier New" panose="02070309020205020404" pitchFamily="49" charset="0"/>
+              </a:rPr>
+              <a:t>SIRET</a:t>
+            </a:r>
+            <a:r>
+              <a:rPr lang="fr-FR" sz="500" dirty="0">
+                <a:latin typeface="Courier New" panose="02070309020205020404" pitchFamily="49" charset="0"/>
+                <a:cs typeface="Courier New" panose="02070309020205020404" pitchFamily="49" charset="0"/>
+              </a:rPr>
+              <a:t> </a:t>
+            </a:r>
+            <a:r>
+              <a:rPr lang="fr-FR" sz="900" dirty="0">
+                <a:latin typeface="Courier New" panose="02070309020205020404" pitchFamily="49" charset="0"/>
+                <a:cs typeface="Courier New" panose="02070309020205020404" pitchFamily="49" charset="0"/>
+                <a:sym typeface="Wingdings" panose="05000000000000000000" pitchFamily="2" charset="2"/>
+              </a:rPr>
+              <a:t></a:t>
+            </a:r>
+            <a:r>
+              <a:rPr lang="fr-FR" sz="800" dirty="0">
+                <a:latin typeface="Courier New" panose="02070309020205020404" pitchFamily="49" charset="0"/>
+                <a:cs typeface="Courier New" panose="02070309020205020404" pitchFamily="49" charset="0"/>
+              </a:rPr>
+              <a:t> </a:t>
+            </a:r>
+            <a:r>
+              <a:rPr lang="fr-FR" sz="1200" dirty="0" err="1">
+                <a:latin typeface="Courier New" panose="02070309020205020404" pitchFamily="49" charset="0"/>
+                <a:cs typeface="Courier New" panose="02070309020205020404" pitchFamily="49" charset="0"/>
+              </a:rPr>
+              <a:t>bookEntryId</a:t>
+            </a:r>
+            <a:br>
+              <a:rPr lang="fr-FR" sz="1200" dirty="0">
+                <a:latin typeface="Courier New" panose="02070309020205020404" pitchFamily="49" charset="0"/>
+                <a:cs typeface="Courier New" panose="02070309020205020404" pitchFamily="49" charset="0"/>
+              </a:rPr>
+            </a:br>
+            <a:r>
+              <a:rPr lang="fr-FR" sz="1200" b="1" dirty="0"/>
+              <a:t>GET	</a:t>
+            </a:r>
+            <a:r>
+              <a:rPr lang="fr-FR" sz="1200" dirty="0">
+                <a:latin typeface="Courier New" panose="02070309020205020404" pitchFamily="49" charset="0"/>
+                <a:cs typeface="Courier New" panose="02070309020205020404" pitchFamily="49" charset="0"/>
+              </a:rPr>
+              <a:t>SIRET</a:t>
+            </a:r>
+            <a:r>
+              <a:rPr lang="fr-FR" sz="900" dirty="0">
+                <a:latin typeface="Courier New" panose="02070309020205020404" pitchFamily="49" charset="0"/>
+                <a:cs typeface="Courier New" panose="02070309020205020404" pitchFamily="49" charset="0"/>
+              </a:rPr>
+              <a:t> </a:t>
+            </a:r>
+            <a:r>
+              <a:rPr lang="fr-FR" sz="900" dirty="0">
+                <a:latin typeface="Courier New" panose="02070309020205020404" pitchFamily="49" charset="0"/>
+                <a:cs typeface="Courier New" panose="02070309020205020404" pitchFamily="49" charset="0"/>
+                <a:sym typeface="Wingdings" panose="05000000000000000000" pitchFamily="2" charset="2"/>
+              </a:rPr>
+              <a:t>:</a:t>
+            </a:r>
+            <a:r>
+              <a:rPr lang="fr-FR" sz="900" dirty="0">
+                <a:latin typeface="Courier New" panose="02070309020205020404" pitchFamily="49" charset="0"/>
+                <a:cs typeface="Courier New" panose="02070309020205020404" pitchFamily="49" charset="0"/>
+              </a:rPr>
+              <a:t> </a:t>
+            </a:r>
+            <a:r>
+              <a:rPr lang="fr-FR" sz="900" i="1" dirty="0">
+                <a:latin typeface="Courier New" panose="02070309020205020404" pitchFamily="49" charset="0"/>
+                <a:cs typeface="Courier New" panose="02070309020205020404" pitchFamily="49" charset="0"/>
+              </a:rPr>
+              <a:t>List of </a:t>
+            </a:r>
+            <a:r>
+              <a:rPr lang="fr-FR" sz="900" i="1" dirty="0" err="1">
+                <a:latin typeface="Courier New" panose="02070309020205020404" pitchFamily="49" charset="0"/>
+                <a:cs typeface="Courier New" panose="02070309020205020404" pitchFamily="49" charset="0"/>
+              </a:rPr>
+              <a:t>BookEntries</a:t>
+            </a:r>
+            <a:endParaRPr lang="fr-FR" sz="900" dirty="0">
+              <a:latin typeface="Courier New" panose="02070309020205020404" pitchFamily="49" charset="0"/>
+              <a:cs typeface="Courier New" panose="02070309020205020404" pitchFamily="49" charset="0"/>
+            </a:endParaRPr>
+          </a:p>
+        </p:txBody>
+      </p:sp>
+      <p:sp>
+        <p:nvSpPr>
+          <p:cNvPr id="81" name="ZoneTexte 80">
+            <a:extLst>
+              <a:ext uri="{FF2B5EF4-FFF2-40B4-BE49-F238E27FC236}">
+                <a16:creationId xmlns:a16="http://schemas.microsoft.com/office/drawing/2014/main" id="{39850550-91B8-25CB-EDF1-00AB9CB9461C}"/>
+              </a:ext>
+            </a:extLst>
+          </p:cNvPr>
+          <p:cNvSpPr txBox="1"/>
+          <p:nvPr/>
+        </p:nvSpPr>
+        <p:spPr>
+          <a:xfrm>
+            <a:off x="9581661" y="4013832"/>
+            <a:ext cx="2664832" cy="461665"/>
+          </a:xfrm>
+          <a:prstGeom prst="rect">
+            <a:avLst/>
+          </a:prstGeom>
+          <a:noFill/>
+        </p:spPr>
+        <p:txBody>
+          <a:bodyPr wrap="none" rtlCol="0">
+            <a:spAutoFit/>
+          </a:bodyPr>
+          <a:lstStyle/>
+          <a:p>
+            <a:pPr>
+              <a:tabLst>
+                <a:tab pos="357188" algn="l"/>
+              </a:tabLst>
+            </a:pPr>
+            <a:r>
+              <a:rPr lang="fr-FR" sz="1200" b="1" dirty="0">
+                <a:solidFill>
+                  <a:srgbClr val="7030A0"/>
+                </a:solidFill>
+              </a:rPr>
+              <a:t>POST </a:t>
+            </a:r>
+            <a:r>
+              <a:rPr lang="fr-FR" sz="1200" dirty="0">
+                <a:latin typeface="Courier New" panose="02070309020205020404" pitchFamily="49" charset="0"/>
+                <a:cs typeface="Courier New" panose="02070309020205020404" pitchFamily="49" charset="0"/>
+              </a:rPr>
+              <a:t>SIRET</a:t>
+            </a:r>
+            <a:r>
+              <a:rPr lang="fr-FR" sz="500" dirty="0">
+                <a:latin typeface="Courier New" panose="02070309020205020404" pitchFamily="49" charset="0"/>
+                <a:cs typeface="Courier New" panose="02070309020205020404" pitchFamily="49" charset="0"/>
+              </a:rPr>
+              <a:t> </a:t>
+            </a:r>
+            <a:r>
+              <a:rPr lang="fr-FR" sz="900" dirty="0">
+                <a:latin typeface="Courier New" panose="02070309020205020404" pitchFamily="49" charset="0"/>
+                <a:cs typeface="Courier New" panose="02070309020205020404" pitchFamily="49" charset="0"/>
+                <a:sym typeface="Wingdings" panose="05000000000000000000" pitchFamily="2" charset="2"/>
+              </a:rPr>
+              <a:t></a:t>
+            </a:r>
+            <a:r>
+              <a:rPr lang="fr-FR" sz="800" dirty="0">
+                <a:latin typeface="Courier New" panose="02070309020205020404" pitchFamily="49" charset="0"/>
+                <a:cs typeface="Courier New" panose="02070309020205020404" pitchFamily="49" charset="0"/>
+              </a:rPr>
+              <a:t> </a:t>
+            </a:r>
+            <a:r>
+              <a:rPr lang="fr-FR" sz="1200" dirty="0" err="1">
+                <a:latin typeface="Courier New" panose="02070309020205020404" pitchFamily="49" charset="0"/>
+                <a:cs typeface="Courier New" panose="02070309020205020404" pitchFamily="49" charset="0"/>
+              </a:rPr>
+              <a:t>openingHourId</a:t>
+            </a:r>
+            <a:br>
+              <a:rPr lang="fr-FR" sz="1200" dirty="0">
+                <a:latin typeface="Courier New" panose="02070309020205020404" pitchFamily="49" charset="0"/>
+                <a:cs typeface="Courier New" panose="02070309020205020404" pitchFamily="49" charset="0"/>
+              </a:rPr>
+            </a:br>
+            <a:r>
+              <a:rPr lang="fr-FR" sz="1200" b="1" dirty="0"/>
+              <a:t>GET	</a:t>
+            </a:r>
+            <a:r>
+              <a:rPr lang="fr-FR" sz="1200" dirty="0">
+                <a:latin typeface="Courier New" panose="02070309020205020404" pitchFamily="49" charset="0"/>
+                <a:cs typeface="Courier New" panose="02070309020205020404" pitchFamily="49" charset="0"/>
+              </a:rPr>
+              <a:t>SIRET</a:t>
+            </a:r>
+            <a:r>
+              <a:rPr lang="fr-FR" sz="900" dirty="0">
+                <a:latin typeface="Courier New" panose="02070309020205020404" pitchFamily="49" charset="0"/>
+                <a:cs typeface="Courier New" panose="02070309020205020404" pitchFamily="49" charset="0"/>
+              </a:rPr>
+              <a:t> </a:t>
+            </a:r>
+            <a:r>
+              <a:rPr lang="fr-FR" sz="900" dirty="0">
+                <a:latin typeface="Courier New" panose="02070309020205020404" pitchFamily="49" charset="0"/>
+                <a:cs typeface="Courier New" panose="02070309020205020404" pitchFamily="49" charset="0"/>
+                <a:sym typeface="Wingdings" panose="05000000000000000000" pitchFamily="2" charset="2"/>
+              </a:rPr>
+              <a:t>:</a:t>
+            </a:r>
+            <a:r>
+              <a:rPr lang="fr-FR" sz="900" dirty="0">
+                <a:latin typeface="Courier New" panose="02070309020205020404" pitchFamily="49" charset="0"/>
+                <a:cs typeface="Courier New" panose="02070309020205020404" pitchFamily="49" charset="0"/>
+              </a:rPr>
+              <a:t> </a:t>
+            </a:r>
+            <a:r>
+              <a:rPr lang="fr-FR" sz="900" i="1" dirty="0">
+                <a:latin typeface="Courier New" panose="02070309020205020404" pitchFamily="49" charset="0"/>
+                <a:cs typeface="Courier New" panose="02070309020205020404" pitchFamily="49" charset="0"/>
+              </a:rPr>
+              <a:t>List of </a:t>
+            </a:r>
+            <a:r>
+              <a:rPr lang="fr-FR" sz="900" i="1" dirty="0" err="1">
+                <a:latin typeface="Courier New" panose="02070309020205020404" pitchFamily="49" charset="0"/>
+                <a:cs typeface="Courier New" panose="02070309020205020404" pitchFamily="49" charset="0"/>
+              </a:rPr>
+              <a:t>Opening</a:t>
+            </a:r>
+            <a:r>
+              <a:rPr lang="fr-FR" sz="900" i="1" dirty="0">
+                <a:latin typeface="Courier New" panose="02070309020205020404" pitchFamily="49" charset="0"/>
+                <a:cs typeface="Courier New" panose="02070309020205020404" pitchFamily="49" charset="0"/>
+              </a:rPr>
+              <a:t> </a:t>
+            </a:r>
+            <a:r>
+              <a:rPr lang="fr-FR" sz="900" i="1" dirty="0" err="1">
+                <a:latin typeface="Courier New" panose="02070309020205020404" pitchFamily="49" charset="0"/>
+                <a:cs typeface="Courier New" panose="02070309020205020404" pitchFamily="49" charset="0"/>
+              </a:rPr>
+              <a:t>Hours</a:t>
+            </a:r>
+            <a:endParaRPr lang="fr-FR" sz="900" dirty="0">
+              <a:latin typeface="Courier New" panose="02070309020205020404" pitchFamily="49" charset="0"/>
+              <a:cs typeface="Courier New" panose="02070309020205020404" pitchFamily="49" charset="0"/>
+            </a:endParaRPr>
+          </a:p>
+        </p:txBody>
+      </p:sp>
+      <p:grpSp>
+        <p:nvGrpSpPr>
+          <p:cNvPr id="106" name="Groupe 105">
+            <a:extLst>
+              <a:ext uri="{FF2B5EF4-FFF2-40B4-BE49-F238E27FC236}">
+                <a16:creationId xmlns:a16="http://schemas.microsoft.com/office/drawing/2014/main" id="{9D2484BA-035F-F387-74ED-4F3F550664A1}"/>
+              </a:ext>
+            </a:extLst>
+          </p:cNvPr>
+          <p:cNvGrpSpPr/>
+          <p:nvPr/>
+        </p:nvGrpSpPr>
+        <p:grpSpPr>
+          <a:xfrm>
+            <a:off x="5818051" y="4738340"/>
+            <a:ext cx="238432" cy="238432"/>
+            <a:chOff x="5371579" y="4199704"/>
+            <a:chExt cx="238432" cy="238432"/>
+          </a:xfrm>
+        </p:grpSpPr>
+        <p:sp>
+          <p:nvSpPr>
+            <p:cNvPr id="94" name="Organigramme : Connecteur 93">
+              <a:extLst>
+                <a:ext uri="{FF2B5EF4-FFF2-40B4-BE49-F238E27FC236}">
+                  <a16:creationId xmlns:a16="http://schemas.microsoft.com/office/drawing/2014/main" id="{4A7C3AC7-72E5-E611-392C-5566AF915F66}"/>
+                </a:ext>
+              </a:extLst>
+            </p:cNvPr>
+            <p:cNvSpPr/>
+            <p:nvPr/>
+          </p:nvSpPr>
+          <p:spPr>
+            <a:xfrm>
+              <a:off x="5371579" y="4199704"/>
+              <a:ext cx="238432" cy="238432"/>
+            </a:xfrm>
+            <a:prstGeom prst="flowChartConnector">
+              <a:avLst/>
+            </a:prstGeom>
+            <a:noFill/>
+            <a:ln>
+              <a:noFill/>
+            </a:ln>
+          </p:spPr>
+          <p:style>
+            <a:lnRef idx="2">
+              <a:schemeClr val="accent1">
+                <a:shade val="50000"/>
+              </a:schemeClr>
+            </a:lnRef>
+            <a:fillRef idx="1">
+              <a:schemeClr val="accent1"/>
+            </a:fillRef>
+            <a:effectRef idx="0">
+              <a:schemeClr val="accent1"/>
+            </a:effectRef>
+            <a:fontRef idx="minor">
+              <a:schemeClr val="lt1"/>
+            </a:fontRef>
+          </p:style>
+          <p:txBody>
+            <a:bodyPr rtlCol="0" anchor="ctr"/>
+            <a:lstStyle/>
+            <a:p>
+              <a:pPr algn="ctr"/>
+              <a:endParaRPr lang="fr-FR"/>
+            </a:p>
+          </p:txBody>
+        </p:sp>
+        <p:cxnSp>
+          <p:nvCxnSpPr>
+            <p:cNvPr id="105" name="Connecteur droit 104">
+              <a:extLst>
+                <a:ext uri="{FF2B5EF4-FFF2-40B4-BE49-F238E27FC236}">
+                  <a16:creationId xmlns:a16="http://schemas.microsoft.com/office/drawing/2014/main" id="{2D4F003D-F1E9-DD5E-5ACB-32A62C1AFC22}"/>
+                </a:ext>
+              </a:extLst>
+            </p:cNvPr>
+            <p:cNvCxnSpPr>
+              <a:stCxn id="94" idx="0"/>
+              <a:endCxn id="94" idx="4"/>
+            </p:cNvCxnSpPr>
+            <p:nvPr/>
+          </p:nvCxnSpPr>
+          <p:spPr>
+            <a:xfrm>
+              <a:off x="5490795" y="4199704"/>
+              <a:ext cx="0" cy="238432"/>
+            </a:xfrm>
+            <a:prstGeom prst="line">
+              <a:avLst/>
+            </a:prstGeom>
+          </p:spPr>
+          <p:style>
+            <a:lnRef idx="1">
+              <a:schemeClr val="accent1"/>
+            </a:lnRef>
+            <a:fillRef idx="0">
+              <a:schemeClr val="accent1"/>
+            </a:fillRef>
+            <a:effectRef idx="0">
+              <a:schemeClr val="accent1"/>
+            </a:effectRef>
+            <a:fontRef idx="minor">
+              <a:schemeClr val="tx1"/>
+            </a:fontRef>
+          </p:style>
+        </p:cxnSp>
+      </p:grpSp>
+      <p:grpSp>
+        <p:nvGrpSpPr>
+          <p:cNvPr id="107" name="Groupe 106">
+            <a:extLst>
+              <a:ext uri="{FF2B5EF4-FFF2-40B4-BE49-F238E27FC236}">
+                <a16:creationId xmlns:a16="http://schemas.microsoft.com/office/drawing/2014/main" id="{A9523E02-2772-39D2-BA7A-7C233B126C93}"/>
+              </a:ext>
+            </a:extLst>
+          </p:cNvPr>
+          <p:cNvGrpSpPr/>
+          <p:nvPr/>
+        </p:nvGrpSpPr>
+        <p:grpSpPr>
+          <a:xfrm>
+            <a:off x="5870049" y="3283754"/>
+            <a:ext cx="134436" cy="134436"/>
+            <a:chOff x="5371579" y="4199704"/>
+            <a:chExt cx="238432" cy="238432"/>
+          </a:xfrm>
+        </p:grpSpPr>
+        <p:sp>
+          <p:nvSpPr>
+            <p:cNvPr id="108" name="Organigramme : Connecteur 107">
+              <a:extLst>
+                <a:ext uri="{FF2B5EF4-FFF2-40B4-BE49-F238E27FC236}">
+                  <a16:creationId xmlns:a16="http://schemas.microsoft.com/office/drawing/2014/main" id="{2CE25480-756C-D5E6-A14C-3F2B4699943C}"/>
+                </a:ext>
+              </a:extLst>
+            </p:cNvPr>
+            <p:cNvSpPr/>
+            <p:nvPr/>
+          </p:nvSpPr>
+          <p:spPr>
+            <a:xfrm>
+              <a:off x="5371579" y="4199704"/>
+              <a:ext cx="238432" cy="238432"/>
+            </a:xfrm>
+            <a:prstGeom prst="flowChartConnector">
+              <a:avLst/>
+            </a:prstGeom>
+            <a:noFill/>
+            <a:ln>
+              <a:noFill/>
+            </a:ln>
+          </p:spPr>
+          <p:style>
+            <a:lnRef idx="2">
+              <a:schemeClr val="accent1">
+                <a:shade val="50000"/>
+              </a:schemeClr>
+            </a:lnRef>
+            <a:fillRef idx="1">
+              <a:schemeClr val="accent1"/>
+            </a:fillRef>
+            <a:effectRef idx="0">
+              <a:schemeClr val="accent1"/>
+            </a:effectRef>
+            <a:fontRef idx="minor">
+              <a:schemeClr val="lt1"/>
+            </a:fontRef>
+          </p:style>
+          <p:txBody>
+            <a:bodyPr rtlCol="0" anchor="ctr"/>
+            <a:lstStyle/>
+            <a:p>
+              <a:pPr algn="ctr"/>
+              <a:endParaRPr lang="fr-FR"/>
+            </a:p>
+          </p:txBody>
+        </p:sp>
+        <p:cxnSp>
+          <p:nvCxnSpPr>
+            <p:cNvPr id="109" name="Connecteur droit 108">
+              <a:extLst>
+                <a:ext uri="{FF2B5EF4-FFF2-40B4-BE49-F238E27FC236}">
+                  <a16:creationId xmlns:a16="http://schemas.microsoft.com/office/drawing/2014/main" id="{C6248F1D-A2AE-6CAB-B299-EB5AF7B08146}"/>
+                </a:ext>
+              </a:extLst>
+            </p:cNvPr>
+            <p:cNvCxnSpPr>
+              <a:stCxn id="108" idx="0"/>
+              <a:endCxn id="108" idx="4"/>
+            </p:cNvCxnSpPr>
+            <p:nvPr/>
+          </p:nvCxnSpPr>
+          <p:spPr>
+            <a:xfrm>
+              <a:off x="5490795" y="4199704"/>
+              <a:ext cx="0" cy="238432"/>
+            </a:xfrm>
+            <a:prstGeom prst="line">
+              <a:avLst/>
+            </a:prstGeom>
+          </p:spPr>
+          <p:style>
+            <a:lnRef idx="1">
+              <a:schemeClr val="accent1"/>
+            </a:lnRef>
+            <a:fillRef idx="0">
+              <a:schemeClr val="accent1"/>
+            </a:fillRef>
+            <a:effectRef idx="0">
+              <a:schemeClr val="accent1"/>
+            </a:effectRef>
+            <a:fontRef idx="minor">
+              <a:schemeClr val="tx1"/>
+            </a:fontRef>
+          </p:style>
+        </p:cxnSp>
+      </p:grpSp>
+      <p:cxnSp>
+        <p:nvCxnSpPr>
+          <p:cNvPr id="111" name="Connecteur droit 110">
+            <a:extLst>
+              <a:ext uri="{FF2B5EF4-FFF2-40B4-BE49-F238E27FC236}">
+                <a16:creationId xmlns:a16="http://schemas.microsoft.com/office/drawing/2014/main" id="{BC82B451-7B26-6EE8-E50B-BDCFA3E88C0B}"/>
+              </a:ext>
+            </a:extLst>
+          </p:cNvPr>
+          <p:cNvCxnSpPr>
+            <a:cxnSpLocks/>
+            <a:stCxn id="108" idx="4"/>
+            <a:endCxn id="94" idx="0"/>
+          </p:cNvCxnSpPr>
+          <p:nvPr/>
+        </p:nvCxnSpPr>
+        <p:spPr>
+          <a:xfrm>
+            <a:off x="5937267" y="3418190"/>
+            <a:ext cx="0" cy="1320150"/>
+          </a:xfrm>
+          <a:prstGeom prst="line">
+            <a:avLst/>
+          </a:prstGeom>
+        </p:spPr>
+        <p:style>
+          <a:lnRef idx="1">
+            <a:schemeClr val="accent1"/>
+          </a:lnRef>
+          <a:fillRef idx="0">
+            <a:schemeClr val="accent1"/>
+          </a:fillRef>
+          <a:effectRef idx="0">
+            <a:schemeClr val="accent1"/>
+          </a:effectRef>
+          <a:fontRef idx="minor">
+            <a:schemeClr val="tx1"/>
+          </a:fontRef>
+        </p:style>
+      </p:cxnSp>
+      <p:cxnSp>
+        <p:nvCxnSpPr>
+          <p:cNvPr id="114" name="Connecteur droit 113">
+            <a:extLst>
+              <a:ext uri="{FF2B5EF4-FFF2-40B4-BE49-F238E27FC236}">
+                <a16:creationId xmlns:a16="http://schemas.microsoft.com/office/drawing/2014/main" id="{F9BD488E-A41F-08D1-87DD-6302DF3784E0}"/>
+              </a:ext>
+            </a:extLst>
+          </p:cNvPr>
+          <p:cNvCxnSpPr>
+            <a:cxnSpLocks/>
+            <a:stCxn id="4" idx="2"/>
+            <a:endCxn id="108" idx="0"/>
+          </p:cNvCxnSpPr>
+          <p:nvPr/>
+        </p:nvCxnSpPr>
+        <p:spPr>
+          <a:xfrm>
+            <a:off x="5937267" y="3197878"/>
+            <a:ext cx="0" cy="85876"/>
+          </a:xfrm>
+          <a:prstGeom prst="line">
+            <a:avLst/>
+          </a:prstGeom>
+        </p:spPr>
+        <p:style>
+          <a:lnRef idx="1">
+            <a:schemeClr val="accent1"/>
+          </a:lnRef>
+          <a:fillRef idx="0">
+            <a:schemeClr val="accent1"/>
+          </a:fillRef>
+          <a:effectRef idx="0">
+            <a:schemeClr val="accent1"/>
+          </a:effectRef>
+          <a:fontRef idx="minor">
+            <a:schemeClr val="tx1"/>
+          </a:fontRef>
+        </p:style>
+      </p:cxnSp>
+      <p:sp>
+        <p:nvSpPr>
+          <p:cNvPr id="121" name="ZoneTexte 120">
+            <a:extLst>
+              <a:ext uri="{FF2B5EF4-FFF2-40B4-BE49-F238E27FC236}">
+                <a16:creationId xmlns:a16="http://schemas.microsoft.com/office/drawing/2014/main" id="{7B2898D4-0D0B-41F7-6D77-2FB83454F3DA}"/>
+              </a:ext>
+            </a:extLst>
+          </p:cNvPr>
+          <p:cNvSpPr txBox="1"/>
+          <p:nvPr/>
+        </p:nvSpPr>
+        <p:spPr>
+          <a:xfrm>
+            <a:off x="2040212" y="1689003"/>
+            <a:ext cx="2965877" cy="461665"/>
+          </a:xfrm>
+          <a:prstGeom prst="rect">
+            <a:avLst/>
+          </a:prstGeom>
+          <a:noFill/>
+        </p:spPr>
+        <p:txBody>
+          <a:bodyPr wrap="none" rtlCol="0">
+            <a:spAutoFit/>
+          </a:bodyPr>
+          <a:lstStyle/>
+          <a:p>
+            <a:pPr>
+              <a:tabLst>
+                <a:tab pos="533400" algn="l"/>
+              </a:tabLst>
+            </a:pPr>
+            <a:r>
+              <a:rPr lang="fr-FR" sz="1200" b="1" dirty="0"/>
+              <a:t>GET	</a:t>
+            </a:r>
+            <a:r>
+              <a:rPr lang="fr-FR" sz="1200" dirty="0">
+                <a:latin typeface="Courier New" panose="02070309020205020404" pitchFamily="49" charset="0"/>
+                <a:cs typeface="Courier New" panose="02070309020205020404" pitchFamily="49" charset="0"/>
+              </a:rPr>
+              <a:t>pseudo/SIRET</a:t>
+            </a:r>
+            <a:r>
+              <a:rPr lang="fr-FR" sz="900" dirty="0">
+                <a:latin typeface="Courier New" panose="02070309020205020404" pitchFamily="49" charset="0"/>
+                <a:cs typeface="Courier New" panose="02070309020205020404" pitchFamily="49" charset="0"/>
+              </a:rPr>
+              <a:t> : List of </a:t>
+            </a:r>
+            <a:r>
+              <a:rPr lang="fr-FR" sz="900" dirty="0" err="1">
+                <a:latin typeface="Courier New" panose="02070309020205020404" pitchFamily="49" charset="0"/>
+                <a:cs typeface="Courier New" panose="02070309020205020404" pitchFamily="49" charset="0"/>
+              </a:rPr>
+              <a:t>Roles</a:t>
+            </a:r>
+            <a:endParaRPr lang="fr-FR" sz="900" dirty="0">
+              <a:latin typeface="Courier New" panose="02070309020205020404" pitchFamily="49" charset="0"/>
+              <a:cs typeface="Courier New" panose="02070309020205020404" pitchFamily="49" charset="0"/>
+            </a:endParaRPr>
+          </a:p>
+          <a:p>
+            <a:pPr>
+              <a:tabLst>
+                <a:tab pos="533400" algn="l"/>
+              </a:tabLst>
+            </a:pPr>
+            <a:r>
+              <a:rPr lang="fr-FR" sz="1200" b="1" dirty="0">
+                <a:solidFill>
+                  <a:schemeClr val="accent2"/>
+                </a:solidFill>
+              </a:rPr>
+              <a:t>PUT</a:t>
+            </a:r>
+            <a:r>
+              <a:rPr lang="fr-FR" sz="1200" b="1" dirty="0"/>
+              <a:t>	</a:t>
+            </a:r>
+            <a:r>
+              <a:rPr lang="fr-FR" sz="1200" dirty="0">
+                <a:latin typeface="Courier New" panose="02070309020205020404" pitchFamily="49" charset="0"/>
+                <a:cs typeface="Courier New" panose="02070309020205020404" pitchFamily="49" charset="0"/>
+              </a:rPr>
+              <a:t>pseudo/SIRET </a:t>
+            </a:r>
+            <a:r>
+              <a:rPr lang="fr-FR" sz="900" dirty="0">
+                <a:latin typeface="Courier New" panose="02070309020205020404" pitchFamily="49" charset="0"/>
+                <a:cs typeface="Courier New" panose="02070309020205020404" pitchFamily="49" charset="0"/>
+              </a:rPr>
+              <a:t>- List of </a:t>
+            </a:r>
+            <a:r>
+              <a:rPr lang="fr-FR" sz="900" dirty="0" err="1">
+                <a:latin typeface="Courier New" panose="02070309020205020404" pitchFamily="49" charset="0"/>
+                <a:cs typeface="Courier New" panose="02070309020205020404" pitchFamily="49" charset="0"/>
+              </a:rPr>
+              <a:t>Roles</a:t>
+            </a:r>
+            <a:endParaRPr lang="fr-FR" sz="900" dirty="0">
+              <a:latin typeface="Courier New" panose="02070309020205020404" pitchFamily="49" charset="0"/>
+              <a:cs typeface="Courier New" panose="02070309020205020404" pitchFamily="49" charset="0"/>
+            </a:endParaRPr>
+          </a:p>
+        </p:txBody>
+      </p:sp>
+      <p:sp>
+        <p:nvSpPr>
+          <p:cNvPr id="123" name="ZoneTexte 122">
+            <a:extLst>
+              <a:ext uri="{FF2B5EF4-FFF2-40B4-BE49-F238E27FC236}">
+                <a16:creationId xmlns:a16="http://schemas.microsoft.com/office/drawing/2014/main" id="{A89B1EBF-55A0-B481-AA71-BD52BF5E274C}"/>
+              </a:ext>
+            </a:extLst>
+          </p:cNvPr>
+          <p:cNvSpPr txBox="1"/>
+          <p:nvPr/>
+        </p:nvSpPr>
+        <p:spPr>
+          <a:xfrm>
+            <a:off x="44005" y="-58016"/>
+            <a:ext cx="1079976" cy="738664"/>
+          </a:xfrm>
+          <a:prstGeom prst="rect">
+            <a:avLst/>
+          </a:prstGeom>
+          <a:noFill/>
+        </p:spPr>
+        <p:txBody>
+          <a:bodyPr wrap="none" rtlCol="0">
+            <a:spAutoFit/>
+          </a:bodyPr>
+          <a:lstStyle/>
+          <a:p>
+            <a:r>
+              <a:rPr lang="fr-FR" sz="2800" dirty="0"/>
+              <a:t>APIs</a:t>
+            </a:r>
+            <a:br>
+              <a:rPr lang="fr-FR" sz="2800" dirty="0"/>
+            </a:br>
+            <a:r>
+              <a:rPr lang="fr-FR" sz="1400" dirty="0" err="1"/>
+              <a:t>Verbs</a:t>
+            </a:r>
+            <a:r>
+              <a:rPr lang="fr-FR" sz="1400" dirty="0"/>
+              <a:t> + keys</a:t>
+            </a:r>
+            <a:endParaRPr lang="fr-FR" sz="2800" dirty="0"/>
+          </a:p>
+        </p:txBody>
+      </p:sp>
+    </p:spTree>
+    <p:extLst>
+      <p:ext uri="{BB962C8B-B14F-4D97-AF65-F5344CB8AC3E}">
+        <p14:creationId xmlns:p14="http://schemas.microsoft.com/office/powerpoint/2010/main" val="1138659003"/>
+      </p:ext>
+    </p:extLst>
+  </p:cSld>
+  <p:clrMapOvr>
+    <a:masterClrMapping/>
+  </p:clrMapOvr>
+</p:sld>
+</file>
+
 <file path=ppt/slides/slide2.xml><?xml version="1.0" encoding="utf-8"?>
 <p:sld xmlns:a="http://schemas.openxmlformats.org/drawingml/2006/main" xmlns:r="http://schemas.openxmlformats.org/officeDocument/2006/relationships" xmlns:p="http://schemas.openxmlformats.org/presentationml/2006/main">
   <p:cSld>
@@ -7921,19 +10929,31 @@
                 <a:latin typeface="Courier New" panose="02070309020205020404" pitchFamily="49" charset="0"/>
                 <a:cs typeface="Courier New" panose="02070309020205020404" pitchFamily="49" charset="0"/>
               </a:rPr>
-              <a:t>  	,"notifications"	</a:t>
-            </a:r>
-            <a:r>
-              <a:rPr lang="fr-FR" sz="1400">
-                <a:latin typeface="Courier New" panose="02070309020205020404" pitchFamily="49" charset="0"/>
-                <a:cs typeface="Courier New" panose="02070309020205020404" pitchFamily="49" charset="0"/>
-              </a:rPr>
-              <a:t>:"x" </a:t>
-            </a:r>
-            <a:endParaRPr lang="fr-FR" sz="1400" dirty="0">
-              <a:latin typeface="Courier New" panose="02070309020205020404" pitchFamily="49" charset="0"/>
-              <a:cs typeface="Courier New" panose="02070309020205020404" pitchFamily="49" charset="0"/>
-            </a:endParaRPr>
+              <a:t>  	,"notifications"	:"x"</a:t>
+            </a:r>
+          </a:p>
+          <a:p>
+            <a:r>
+              <a:rPr lang="fr-FR" sz="1400" dirty="0">
+                <a:latin typeface="Courier New" panose="02070309020205020404" pitchFamily="49" charset="0"/>
+                <a:cs typeface="Courier New" panose="02070309020205020404" pitchFamily="49" charset="0"/>
+              </a:rPr>
+              <a:t>  	,"</a:t>
+            </a:r>
+            <a:r>
+              <a:rPr lang="fr-FR" sz="1400" dirty="0" err="1">
+                <a:latin typeface="Courier New" panose="02070309020205020404" pitchFamily="49" charset="0"/>
+                <a:cs typeface="Courier New" panose="02070309020205020404" pitchFamily="49" charset="0"/>
+              </a:rPr>
+              <a:t>password</a:t>
+            </a:r>
+            <a:r>
+              <a:rPr lang="fr-FR" sz="1400" dirty="0">
+                <a:latin typeface="Courier New" panose="02070309020205020404" pitchFamily="49" charset="0"/>
+                <a:cs typeface="Courier New" panose="02070309020205020404" pitchFamily="49" charset="0"/>
+              </a:rPr>
+              <a:t>"	:"x"</a:t>
+            </a:r>
           </a:p>
           <a:p>
             <a:r>
